--- a/Name_Game__Gender_Prediction_using_Sound/NGGPUS.pptx
+++ b/Name_Game__Gender_Prediction_using_Sound/NGGPUS.pptx
@@ -9,13 +9,15 @@
     <p:sldId id="257" r:id="rId3"/>
     <p:sldId id="258" r:id="rId4"/>
     <p:sldId id="259" r:id="rId5"/>
-    <p:sldId id="260" r:id="rId6"/>
-    <p:sldId id="261" r:id="rId7"/>
-    <p:sldId id="262" r:id="rId8"/>
-    <p:sldId id="263" r:id="rId9"/>
-    <p:sldId id="264" r:id="rId10"/>
-    <p:sldId id="265" r:id="rId11"/>
-    <p:sldId id="266" r:id="rId12"/>
+    <p:sldId id="268" r:id="rId6"/>
+    <p:sldId id="267" r:id="rId7"/>
+    <p:sldId id="260" r:id="rId8"/>
+    <p:sldId id="261" r:id="rId9"/>
+    <p:sldId id="262" r:id="rId10"/>
+    <p:sldId id="263" r:id="rId11"/>
+    <p:sldId id="264" r:id="rId12"/>
+    <p:sldId id="265" r:id="rId13"/>
+    <p:sldId id="266" r:id="rId14"/>
   </p:sldIdLst>
   <p:sldSz cx="9144000" cy="6858000" type="screen4x3"/>
   <p:notesSz cx="6858000" cy="9144000"/>
@@ -133,6 +135,10 @@
 </p:presentation>
 </file>
 
+<file path=ppt/revisionInfo.xml><?xml version="1.0" encoding="utf-8"?>
+<p1510:revInfo xmlns:a="http://schemas.openxmlformats.org/drawingml/2006/main" xmlns:r="http://schemas.openxmlformats.org/officeDocument/2006/relationships" xmlns:p1510="http://schemas.microsoft.com/office/powerpoint/2015/10/main"/>
+</file>
+
 <file path=ppt/slideLayouts/slideLayout1.xml><?xml version="1.0" encoding="utf-8"?>
 <p:sldLayout xmlns:a="http://schemas.openxmlformats.org/drawingml/2006/main" xmlns:r="http://schemas.openxmlformats.org/officeDocument/2006/relationships" xmlns:p="http://schemas.openxmlformats.org/presentationml/2006/main" type="title" preserve="1">
   <p:cSld name="Title Slide">
@@ -171,10 +177,9 @@
           <a:lstStyle/>
           <a:p>
             <a:r>
-              <a:rPr lang="en-US" smtClean="0"/>
+              <a:rPr lang="en-US"/>
               <a:t>Click to edit Master title style</a:t>
             </a:r>
-            <a:endParaRPr lang="en-US"/>
           </a:p>
         </p:txBody>
       </p:sp>
@@ -290,10 +295,9 @@
           </a:lstStyle>
           <a:p>
             <a:r>
-              <a:rPr lang="en-US" smtClean="0"/>
+              <a:rPr lang="en-US"/>
               <a:t>Click to edit Master subtitle style</a:t>
             </a:r>
-            <a:endParaRPr lang="en-US"/>
           </a:p>
         </p:txBody>
       </p:sp>
@@ -314,7 +318,7 @@
           <a:p>
             <a:fld id="{241EB5C9-1307-BA42-ABA2-0BC069CD8E7F}" type="datetimeFigureOut">
               <a:rPr lang="en-US" smtClean="0"/>
-              <a:t>2/17/2018</a:t>
+              <a:t>4/30/2018</a:t>
             </a:fld>
             <a:endParaRPr lang="en-US"/>
           </a:p>
@@ -408,10 +412,9 @@
           <a:lstStyle/>
           <a:p>
             <a:r>
-              <a:rPr lang="en-US" smtClean="0"/>
+              <a:rPr lang="en-US"/>
               <a:t>Click to edit Master title style</a:t>
             </a:r>
-            <a:endParaRPr lang="en-US"/>
           </a:p>
         </p:txBody>
       </p:sp>
@@ -432,38 +435,37 @@
           <a:p>
             <a:pPr lvl="0"/>
             <a:r>
-              <a:rPr lang="en-US" smtClean="0"/>
+              <a:rPr lang="en-US"/>
               <a:t>Click to edit Master text styles</a:t>
             </a:r>
           </a:p>
           <a:p>
             <a:pPr lvl="1"/>
             <a:r>
-              <a:rPr lang="en-US" smtClean="0"/>
+              <a:rPr lang="en-US"/>
               <a:t>Second level</a:t>
             </a:r>
           </a:p>
           <a:p>
             <a:pPr lvl="2"/>
             <a:r>
-              <a:rPr lang="en-US" smtClean="0"/>
+              <a:rPr lang="en-US"/>
               <a:t>Third level</a:t>
             </a:r>
           </a:p>
           <a:p>
             <a:pPr lvl="3"/>
             <a:r>
-              <a:rPr lang="en-US" smtClean="0"/>
+              <a:rPr lang="en-US"/>
               <a:t>Fourth level</a:t>
             </a:r>
           </a:p>
           <a:p>
             <a:pPr lvl="4"/>
             <a:r>
-              <a:rPr lang="en-US" smtClean="0"/>
+              <a:rPr lang="en-US"/>
               <a:t>Fifth level</a:t>
             </a:r>
-            <a:endParaRPr lang="en-US"/>
           </a:p>
         </p:txBody>
       </p:sp>
@@ -484,7 +486,7 @@
           <a:p>
             <a:fld id="{241EB5C9-1307-BA42-ABA2-0BC069CD8E7F}" type="datetimeFigureOut">
               <a:rPr lang="en-US" smtClean="0"/>
-              <a:t>2/17/2018</a:t>
+              <a:t>4/30/2018</a:t>
             </a:fld>
             <a:endParaRPr lang="en-US"/>
           </a:p>
@@ -583,10 +585,9 @@
           <a:lstStyle/>
           <a:p>
             <a:r>
-              <a:rPr lang="en-US" smtClean="0"/>
+              <a:rPr lang="en-US"/>
               <a:t>Click to edit Master title style</a:t>
             </a:r>
-            <a:endParaRPr lang="en-US"/>
           </a:p>
         </p:txBody>
       </p:sp>
@@ -612,38 +613,37 @@
           <a:p>
             <a:pPr lvl="0"/>
             <a:r>
-              <a:rPr lang="en-US" smtClean="0"/>
+              <a:rPr lang="en-US"/>
               <a:t>Click to edit Master text styles</a:t>
             </a:r>
           </a:p>
           <a:p>
             <a:pPr lvl="1"/>
             <a:r>
-              <a:rPr lang="en-US" smtClean="0"/>
+              <a:rPr lang="en-US"/>
               <a:t>Second level</a:t>
             </a:r>
           </a:p>
           <a:p>
             <a:pPr lvl="2"/>
             <a:r>
-              <a:rPr lang="en-US" smtClean="0"/>
+              <a:rPr lang="en-US"/>
               <a:t>Third level</a:t>
             </a:r>
           </a:p>
           <a:p>
             <a:pPr lvl="3"/>
             <a:r>
-              <a:rPr lang="en-US" smtClean="0"/>
+              <a:rPr lang="en-US"/>
               <a:t>Fourth level</a:t>
             </a:r>
           </a:p>
           <a:p>
             <a:pPr lvl="4"/>
             <a:r>
-              <a:rPr lang="en-US" smtClean="0"/>
+              <a:rPr lang="en-US"/>
               <a:t>Fifth level</a:t>
             </a:r>
-            <a:endParaRPr lang="en-US"/>
           </a:p>
         </p:txBody>
       </p:sp>
@@ -664,7 +664,7 @@
           <a:p>
             <a:fld id="{241EB5C9-1307-BA42-ABA2-0BC069CD8E7F}" type="datetimeFigureOut">
               <a:rPr lang="en-US" smtClean="0"/>
-              <a:t>2/17/2018</a:t>
+              <a:t>4/30/2018</a:t>
             </a:fld>
             <a:endParaRPr lang="en-US"/>
           </a:p>
@@ -758,10 +758,9 @@
           <a:lstStyle/>
           <a:p>
             <a:r>
-              <a:rPr lang="en-US" smtClean="0"/>
+              <a:rPr lang="en-US"/>
               <a:t>Click to edit Master title style</a:t>
             </a:r>
-            <a:endParaRPr lang="en-US"/>
           </a:p>
         </p:txBody>
       </p:sp>
@@ -782,38 +781,37 @@
           <a:p>
             <a:pPr lvl="0"/>
             <a:r>
-              <a:rPr lang="en-US" smtClean="0"/>
+              <a:rPr lang="en-US"/>
               <a:t>Click to edit Master text styles</a:t>
             </a:r>
           </a:p>
           <a:p>
             <a:pPr lvl="1"/>
             <a:r>
-              <a:rPr lang="en-US" smtClean="0"/>
+              <a:rPr lang="en-US"/>
               <a:t>Second level</a:t>
             </a:r>
           </a:p>
           <a:p>
             <a:pPr lvl="2"/>
             <a:r>
-              <a:rPr lang="en-US" smtClean="0"/>
+              <a:rPr lang="en-US"/>
               <a:t>Third level</a:t>
             </a:r>
           </a:p>
           <a:p>
             <a:pPr lvl="3"/>
             <a:r>
-              <a:rPr lang="en-US" smtClean="0"/>
+              <a:rPr lang="en-US"/>
               <a:t>Fourth level</a:t>
             </a:r>
           </a:p>
           <a:p>
             <a:pPr lvl="4"/>
             <a:r>
-              <a:rPr lang="en-US" smtClean="0"/>
+              <a:rPr lang="en-US"/>
               <a:t>Fifth level</a:t>
             </a:r>
-            <a:endParaRPr lang="en-US"/>
           </a:p>
         </p:txBody>
       </p:sp>
@@ -834,7 +832,7 @@
           <a:p>
             <a:fld id="{241EB5C9-1307-BA42-ABA2-0BC069CD8E7F}" type="datetimeFigureOut">
               <a:rPr lang="en-US" smtClean="0"/>
-              <a:t>2/17/2018</a:t>
+              <a:t>4/30/2018</a:t>
             </a:fld>
             <a:endParaRPr lang="en-US"/>
           </a:p>
@@ -937,10 +935,9 @@
           </a:lstStyle>
           <a:p>
             <a:r>
-              <a:rPr lang="en-US" smtClean="0"/>
+              <a:rPr lang="en-US"/>
               <a:t>Click to edit Master title style</a:t>
             </a:r>
-            <a:endParaRPr lang="en-US"/>
           </a:p>
         </p:txBody>
       </p:sp>
@@ -1057,7 +1054,7 @@
           <a:p>
             <a:pPr lvl="0"/>
             <a:r>
-              <a:rPr lang="en-US" smtClean="0"/>
+              <a:rPr lang="en-US"/>
               <a:t>Click to edit Master text styles</a:t>
             </a:r>
           </a:p>
@@ -1080,7 +1077,7 @@
           <a:p>
             <a:fld id="{241EB5C9-1307-BA42-ABA2-0BC069CD8E7F}" type="datetimeFigureOut">
               <a:rPr lang="en-US" smtClean="0"/>
-              <a:t>2/17/2018</a:t>
+              <a:t>4/30/2018</a:t>
             </a:fld>
             <a:endParaRPr lang="en-US"/>
           </a:p>
@@ -1174,10 +1171,9 @@
           <a:lstStyle/>
           <a:p>
             <a:r>
-              <a:rPr lang="en-US" smtClean="0"/>
+              <a:rPr lang="en-US"/>
               <a:t>Click to edit Master title style</a:t>
             </a:r>
-            <a:endParaRPr lang="en-US"/>
           </a:p>
         </p:txBody>
       </p:sp>
@@ -1231,38 +1227,37 @@
           <a:p>
             <a:pPr lvl="0"/>
             <a:r>
-              <a:rPr lang="en-US" smtClean="0"/>
+              <a:rPr lang="en-US"/>
               <a:t>Click to edit Master text styles</a:t>
             </a:r>
           </a:p>
           <a:p>
             <a:pPr lvl="1"/>
             <a:r>
-              <a:rPr lang="en-US" smtClean="0"/>
+              <a:rPr lang="en-US"/>
               <a:t>Second level</a:t>
             </a:r>
           </a:p>
           <a:p>
             <a:pPr lvl="2"/>
             <a:r>
-              <a:rPr lang="en-US" smtClean="0"/>
+              <a:rPr lang="en-US"/>
               <a:t>Third level</a:t>
             </a:r>
           </a:p>
           <a:p>
             <a:pPr lvl="3"/>
             <a:r>
-              <a:rPr lang="en-US" smtClean="0"/>
+              <a:rPr lang="en-US"/>
               <a:t>Fourth level</a:t>
             </a:r>
           </a:p>
           <a:p>
             <a:pPr lvl="4"/>
             <a:r>
-              <a:rPr lang="en-US" smtClean="0"/>
+              <a:rPr lang="en-US"/>
               <a:t>Fifth level</a:t>
             </a:r>
-            <a:endParaRPr lang="en-US"/>
           </a:p>
         </p:txBody>
       </p:sp>
@@ -1316,38 +1311,37 @@
           <a:p>
             <a:pPr lvl="0"/>
             <a:r>
-              <a:rPr lang="en-US" smtClean="0"/>
+              <a:rPr lang="en-US"/>
               <a:t>Click to edit Master text styles</a:t>
             </a:r>
           </a:p>
           <a:p>
             <a:pPr lvl="1"/>
             <a:r>
-              <a:rPr lang="en-US" smtClean="0"/>
+              <a:rPr lang="en-US"/>
               <a:t>Second level</a:t>
             </a:r>
           </a:p>
           <a:p>
             <a:pPr lvl="2"/>
             <a:r>
-              <a:rPr lang="en-US" smtClean="0"/>
+              <a:rPr lang="en-US"/>
               <a:t>Third level</a:t>
             </a:r>
           </a:p>
           <a:p>
             <a:pPr lvl="3"/>
             <a:r>
-              <a:rPr lang="en-US" smtClean="0"/>
+              <a:rPr lang="en-US"/>
               <a:t>Fourth level</a:t>
             </a:r>
           </a:p>
           <a:p>
             <a:pPr lvl="4"/>
             <a:r>
-              <a:rPr lang="en-US" smtClean="0"/>
+              <a:rPr lang="en-US"/>
               <a:t>Fifth level</a:t>
             </a:r>
-            <a:endParaRPr lang="en-US"/>
           </a:p>
         </p:txBody>
       </p:sp>
@@ -1368,7 +1362,7 @@
           <a:p>
             <a:fld id="{241EB5C9-1307-BA42-ABA2-0BC069CD8E7F}" type="datetimeFigureOut">
               <a:rPr lang="en-US" smtClean="0"/>
-              <a:t>2/17/2018</a:t>
+              <a:t>4/30/2018</a:t>
             </a:fld>
             <a:endParaRPr lang="en-US"/>
           </a:p>
@@ -1466,10 +1460,9 @@
           </a:lstStyle>
           <a:p>
             <a:r>
-              <a:rPr lang="en-US" smtClean="0"/>
+              <a:rPr lang="en-US"/>
               <a:t>Click to edit Master title style</a:t>
             </a:r>
-            <a:endParaRPr lang="en-US"/>
           </a:p>
         </p:txBody>
       </p:sp>
@@ -1532,7 +1525,7 @@
           <a:p>
             <a:pPr lvl="0"/>
             <a:r>
-              <a:rPr lang="en-US" smtClean="0"/>
+              <a:rPr lang="en-US"/>
               <a:t>Click to edit Master text styles</a:t>
             </a:r>
           </a:p>
@@ -1588,38 +1581,37 @@
           <a:p>
             <a:pPr lvl="0"/>
             <a:r>
-              <a:rPr lang="en-US" smtClean="0"/>
+              <a:rPr lang="en-US"/>
               <a:t>Click to edit Master text styles</a:t>
             </a:r>
           </a:p>
           <a:p>
             <a:pPr lvl="1"/>
             <a:r>
-              <a:rPr lang="en-US" smtClean="0"/>
+              <a:rPr lang="en-US"/>
               <a:t>Second level</a:t>
             </a:r>
           </a:p>
           <a:p>
             <a:pPr lvl="2"/>
             <a:r>
-              <a:rPr lang="en-US" smtClean="0"/>
+              <a:rPr lang="en-US"/>
               <a:t>Third level</a:t>
             </a:r>
           </a:p>
           <a:p>
             <a:pPr lvl="3"/>
             <a:r>
-              <a:rPr lang="en-US" smtClean="0"/>
+              <a:rPr lang="en-US"/>
               <a:t>Fourth level</a:t>
             </a:r>
           </a:p>
           <a:p>
             <a:pPr lvl="4"/>
             <a:r>
-              <a:rPr lang="en-US" smtClean="0"/>
+              <a:rPr lang="en-US"/>
               <a:t>Fifth level</a:t>
             </a:r>
-            <a:endParaRPr lang="en-US"/>
           </a:p>
         </p:txBody>
       </p:sp>
@@ -1682,7 +1674,7 @@
           <a:p>
             <a:pPr lvl="0"/>
             <a:r>
-              <a:rPr lang="en-US" smtClean="0"/>
+              <a:rPr lang="en-US"/>
               <a:t>Click to edit Master text styles</a:t>
             </a:r>
           </a:p>
@@ -1738,38 +1730,37 @@
           <a:p>
             <a:pPr lvl="0"/>
             <a:r>
-              <a:rPr lang="en-US" smtClean="0"/>
+              <a:rPr lang="en-US"/>
               <a:t>Click to edit Master text styles</a:t>
             </a:r>
           </a:p>
           <a:p>
             <a:pPr lvl="1"/>
             <a:r>
-              <a:rPr lang="en-US" smtClean="0"/>
+              <a:rPr lang="en-US"/>
               <a:t>Second level</a:t>
             </a:r>
           </a:p>
           <a:p>
             <a:pPr lvl="2"/>
             <a:r>
-              <a:rPr lang="en-US" smtClean="0"/>
+              <a:rPr lang="en-US"/>
               <a:t>Third level</a:t>
             </a:r>
           </a:p>
           <a:p>
             <a:pPr lvl="3"/>
             <a:r>
-              <a:rPr lang="en-US" smtClean="0"/>
+              <a:rPr lang="en-US"/>
               <a:t>Fourth level</a:t>
             </a:r>
           </a:p>
           <a:p>
             <a:pPr lvl="4"/>
             <a:r>
-              <a:rPr lang="en-US" smtClean="0"/>
+              <a:rPr lang="en-US"/>
               <a:t>Fifth level</a:t>
             </a:r>
-            <a:endParaRPr lang="en-US"/>
           </a:p>
         </p:txBody>
       </p:sp>
@@ -1790,7 +1781,7 @@
           <a:p>
             <a:fld id="{241EB5C9-1307-BA42-ABA2-0BC069CD8E7F}" type="datetimeFigureOut">
               <a:rPr lang="en-US" smtClean="0"/>
-              <a:t>2/17/2018</a:t>
+              <a:t>4/30/2018</a:t>
             </a:fld>
             <a:endParaRPr lang="en-US"/>
           </a:p>
@@ -1884,10 +1875,9 @@
           <a:lstStyle/>
           <a:p>
             <a:r>
-              <a:rPr lang="en-US" smtClean="0"/>
+              <a:rPr lang="en-US"/>
               <a:t>Click to edit Master title style</a:t>
             </a:r>
-            <a:endParaRPr lang="en-US"/>
           </a:p>
         </p:txBody>
       </p:sp>
@@ -1908,7 +1898,7 @@
           <a:p>
             <a:fld id="{241EB5C9-1307-BA42-ABA2-0BC069CD8E7F}" type="datetimeFigureOut">
               <a:rPr lang="en-US" smtClean="0"/>
-              <a:t>2/17/2018</a:t>
+              <a:t>4/30/2018</a:t>
             </a:fld>
             <a:endParaRPr lang="en-US"/>
           </a:p>
@@ -2003,7 +1993,7 @@
           <a:p>
             <a:fld id="{241EB5C9-1307-BA42-ABA2-0BC069CD8E7F}" type="datetimeFigureOut">
               <a:rPr lang="en-US" smtClean="0"/>
-              <a:t>2/17/2018</a:t>
+              <a:t>4/30/2018</a:t>
             </a:fld>
             <a:endParaRPr lang="en-US"/>
           </a:p>
@@ -2106,10 +2096,9 @@
           </a:lstStyle>
           <a:p>
             <a:r>
-              <a:rPr lang="en-US" smtClean="0"/>
+              <a:rPr lang="en-US"/>
               <a:t>Click to edit Master title style</a:t>
             </a:r>
-            <a:endParaRPr lang="en-US"/>
           </a:p>
         </p:txBody>
       </p:sp>
@@ -2163,38 +2152,37 @@
           <a:p>
             <a:pPr lvl="0"/>
             <a:r>
-              <a:rPr lang="en-US" smtClean="0"/>
+              <a:rPr lang="en-US"/>
               <a:t>Click to edit Master text styles</a:t>
             </a:r>
           </a:p>
           <a:p>
             <a:pPr lvl="1"/>
             <a:r>
-              <a:rPr lang="en-US" smtClean="0"/>
+              <a:rPr lang="en-US"/>
               <a:t>Second level</a:t>
             </a:r>
           </a:p>
           <a:p>
             <a:pPr lvl="2"/>
             <a:r>
-              <a:rPr lang="en-US" smtClean="0"/>
+              <a:rPr lang="en-US"/>
               <a:t>Third level</a:t>
             </a:r>
           </a:p>
           <a:p>
             <a:pPr lvl="3"/>
             <a:r>
-              <a:rPr lang="en-US" smtClean="0"/>
+              <a:rPr lang="en-US"/>
               <a:t>Fourth level</a:t>
             </a:r>
           </a:p>
           <a:p>
             <a:pPr lvl="4"/>
             <a:r>
-              <a:rPr lang="en-US" smtClean="0"/>
+              <a:rPr lang="en-US"/>
               <a:t>Fifth level</a:t>
             </a:r>
-            <a:endParaRPr lang="en-US"/>
           </a:p>
         </p:txBody>
       </p:sp>
@@ -2257,7 +2245,7 @@
           <a:p>
             <a:pPr lvl="0"/>
             <a:r>
-              <a:rPr lang="en-US" smtClean="0"/>
+              <a:rPr lang="en-US"/>
               <a:t>Click to edit Master text styles</a:t>
             </a:r>
           </a:p>
@@ -2280,7 +2268,7 @@
           <a:p>
             <a:fld id="{241EB5C9-1307-BA42-ABA2-0BC069CD8E7F}" type="datetimeFigureOut">
               <a:rPr lang="en-US" smtClean="0"/>
-              <a:t>2/17/2018</a:t>
+              <a:t>4/30/2018</a:t>
             </a:fld>
             <a:endParaRPr lang="en-US"/>
           </a:p>
@@ -2383,10 +2371,9 @@
           </a:lstStyle>
           <a:p>
             <a:r>
-              <a:rPr lang="en-US" smtClean="0"/>
+              <a:rPr lang="en-US"/>
               <a:t>Click to edit Master title style</a:t>
             </a:r>
-            <a:endParaRPr lang="en-US"/>
           </a:p>
         </p:txBody>
       </p:sp>
@@ -2510,7 +2497,7 @@
           <a:p>
             <a:pPr lvl="0"/>
             <a:r>
-              <a:rPr lang="en-US" smtClean="0"/>
+              <a:rPr lang="en-US"/>
               <a:t>Click to edit Master text styles</a:t>
             </a:r>
           </a:p>
@@ -2533,7 +2520,7 @@
           <a:p>
             <a:fld id="{241EB5C9-1307-BA42-ABA2-0BC069CD8E7F}" type="datetimeFigureOut">
               <a:rPr lang="en-US" smtClean="0"/>
-              <a:t>2/17/2018</a:t>
+              <a:t>4/30/2018</a:t>
             </a:fld>
             <a:endParaRPr lang="en-US"/>
           </a:p>
@@ -2642,10 +2629,9 @@
           <a:lstStyle/>
           <a:p>
             <a:r>
-              <a:rPr lang="en-US" smtClean="0"/>
+              <a:rPr lang="en-US"/>
               <a:t>Click to edit Master title style</a:t>
             </a:r>
-            <a:endParaRPr lang="en-US"/>
           </a:p>
         </p:txBody>
       </p:sp>
@@ -2676,38 +2662,37 @@
           <a:p>
             <a:pPr lvl="0"/>
             <a:r>
-              <a:rPr lang="en-US" smtClean="0"/>
+              <a:rPr lang="en-US"/>
               <a:t>Click to edit Master text styles</a:t>
             </a:r>
           </a:p>
           <a:p>
             <a:pPr lvl="1"/>
             <a:r>
-              <a:rPr lang="en-US" smtClean="0"/>
+              <a:rPr lang="en-US"/>
               <a:t>Second level</a:t>
             </a:r>
           </a:p>
           <a:p>
             <a:pPr lvl="2"/>
             <a:r>
-              <a:rPr lang="en-US" smtClean="0"/>
+              <a:rPr lang="en-US"/>
               <a:t>Third level</a:t>
             </a:r>
           </a:p>
           <a:p>
             <a:pPr lvl="3"/>
             <a:r>
-              <a:rPr lang="en-US" smtClean="0"/>
+              <a:rPr lang="en-US"/>
               <a:t>Fourth level</a:t>
             </a:r>
           </a:p>
           <a:p>
             <a:pPr lvl="4"/>
             <a:r>
-              <a:rPr lang="en-US" smtClean="0"/>
+              <a:rPr lang="en-US"/>
               <a:t>Fifth level</a:t>
             </a:r>
-            <a:endParaRPr lang="en-US"/>
           </a:p>
         </p:txBody>
       </p:sp>
@@ -2746,7 +2731,7 @@
           <a:p>
             <a:fld id="{241EB5C9-1307-BA42-ABA2-0BC069CD8E7F}" type="datetimeFigureOut">
               <a:rPr lang="en-US" smtClean="0"/>
-              <a:t>2/17/2018</a:t>
+              <a:t>4/30/2018</a:t>
             </a:fld>
             <a:endParaRPr lang="en-US"/>
           </a:p>
@@ -3141,52 +3126,11 @@
           <a:bodyPr/>
           <a:lstStyle/>
           <a:p>
-            <a:pPr lvl="0" marL="0" indent="0">
+            <a:pPr marL="0" lvl="0" indent="0">
               <a:buNone/>
             </a:pPr>
             <a:r>
-              <a:rPr/>
-              <a:t>Name</a:t>
-            </a:r>
-            <a:r>
-              <a:rPr/>
-              <a:t> </a:t>
-            </a:r>
-            <a:r>
-              <a:rPr/>
-              <a:t>Game</a:t>
-            </a:r>
-            <a:r>
-              <a:rPr/>
-              <a:t> </a:t>
-            </a:r>
-            <a:r>
-              <a:rPr/>
-              <a:t>Gender</a:t>
-            </a:r>
-            <a:r>
-              <a:rPr/>
-              <a:t> </a:t>
-            </a:r>
-            <a:r>
-              <a:rPr/>
-              <a:t>Prediction</a:t>
-            </a:r>
-            <a:r>
-              <a:rPr/>
-              <a:t> </a:t>
-            </a:r>
-            <a:r>
-              <a:rPr/>
-              <a:t>using</a:t>
-            </a:r>
-            <a:r>
-              <a:rPr/>
-              <a:t> </a:t>
-            </a:r>
-            <a:r>
-              <a:rPr/>
-              <a:t>Sound</a:t>
+              <a:t>Name Game Gender Prediction using Sound</a:t>
             </a:r>
           </a:p>
         </p:txBody>
@@ -3211,22 +3155,13 @@
           <a:bodyPr/>
           <a:lstStyle/>
           <a:p>
-            <a:pPr lvl="0" marL="0" indent="0">
+            <a:pPr marL="0" lvl="0" indent="0">
               <a:buNone/>
             </a:pPr>
             <a:br/>
             <a:br/>
             <a:r>
-              <a:rPr/>
-              <a:t>Monika</a:t>
-            </a:r>
-            <a:r>
-              <a:rPr/>
-              <a:t> </a:t>
-            </a:r>
-            <a:r>
-              <a:rPr/>
-              <a:t>Bihan</a:t>
+              <a:t>Monika Bihan</a:t>
             </a:r>
           </a:p>
         </p:txBody>
@@ -3246,26 +3181,20 @@
           <a:bodyPr/>
           <a:lstStyle/>
           <a:p>
-            <a:pPr lvl="0" marL="0" indent="0">
+            <a:pPr marL="0" lvl="0" indent="0">
               <a:buNone/>
             </a:pPr>
             <a:r>
-              <a:rPr/>
-              <a:t>Spring</a:t>
-            </a:r>
-            <a:r>
-              <a:rPr/>
-              <a:t> </a:t>
-            </a:r>
-            <a:r>
-              <a:rPr/>
-              <a:t>2018</a:t>
+              <a:t>Spring 2018</a:t>
             </a:r>
           </a:p>
         </p:txBody>
       </p:sp>
     </p:spTree>
   </p:cSld>
+  <p:clrMapOvr>
+    <a:masterClrMapping/>
+  </p:clrMapOvr>
 </p:sld>
 </file>
 
@@ -3296,17 +3225,24 @@
             <p:ph type="title"/>
           </p:nvPr>
         </p:nvSpPr>
-        <p:spPr/>
-        <p:txBody>
-          <a:bodyPr/>
-          <a:lstStyle/>
-          <a:p>
-            <a:pPr lvl="0" marL="0" indent="0">
+        <p:spPr>
+          <a:xfrm>
+            <a:off x="457200" y="460376"/>
+            <a:ext cx="8229600" cy="1143000"/>
+          </a:xfrm>
+        </p:spPr>
+        <p:txBody>
+          <a:bodyPr>
+            <a:normAutofit fontScale="90000"/>
+          </a:bodyPr>
+          <a:lstStyle/>
+          <a:p>
+            <a:pPr marL="0" lvl="0" indent="0">
               <a:buNone/>
             </a:pPr>
             <a:r>
-              <a:rPr/>
-              <a:t>Thanks</a:t>
+              <a:rPr dirty="0"/>
+              <a:t>Explore the distribution of female and male authors over time as grouped bar chart</a:t>
             </a:r>
           </a:p>
         </p:txBody>
@@ -3321,28 +3257,189 @@
             <p:ph idx="1"/>
           </p:nvPr>
         </p:nvSpPr>
-        <p:spPr/>
-        <p:txBody>
-          <a:bodyPr/>
+        <p:spPr>
+          <a:xfrm>
+            <a:off x="457200" y="2114550"/>
+            <a:ext cx="8229600" cy="4525963"/>
+          </a:xfrm>
+        </p:spPr>
+        <p:txBody>
+          <a:bodyPr>
+            <a:normAutofit lnSpcReduction="10000"/>
+          </a:bodyPr>
           <a:lstStyle/>
           <a:p>
             <a:pPr lvl="1"/>
             <a:r>
-              <a:rPr/>
-              <a:t>DataCamp</a:t>
+              <a:rPr dirty="0"/>
+              <a:t>Creating a new list, where 0.25 is added to each year</a:t>
+            </a:r>
+          </a:p>
+          <a:p>
+            <a:pPr marL="1270000" lvl="0" indent="0">
+              <a:buNone/>
+            </a:pPr>
+            <a:r>
+              <a:rPr sz="1800" dirty="0" err="1">
+                <a:latin typeface="Courier"/>
+              </a:rPr>
+              <a:t>years_shifted</a:t>
+            </a:r>
+            <a:r>
+              <a:rPr sz="1800" dirty="0">
+                <a:latin typeface="Courier"/>
+              </a:rPr>
+              <a:t> = [year + 0.25 for year in years]</a:t>
             </a:r>
           </a:p>
           <a:p>
             <a:pPr lvl="1"/>
             <a:r>
-              <a:rPr/>
-              <a:t>Prof Martin</a:t>
+              <a:rPr dirty="0"/>
+              <a:t>Plotting </a:t>
+            </a:r>
+            <a:r>
+              <a:rPr dirty="0" err="1"/>
+              <a:t>males_by_yr</a:t>
+            </a:r>
+            <a:r>
+              <a:rPr dirty="0"/>
+              <a:t> by year</a:t>
+            </a:r>
+          </a:p>
+          <a:p>
+            <a:pPr marL="1270000" lvl="0" indent="0">
+              <a:buNone/>
+            </a:pPr>
+            <a:r>
+              <a:rPr sz="1800" dirty="0" err="1">
+                <a:latin typeface="Courier"/>
+              </a:rPr>
+              <a:t>plt.bar</a:t>
+            </a:r>
+            <a:r>
+              <a:rPr sz="1800" dirty="0">
+                <a:latin typeface="Courier"/>
+              </a:rPr>
+              <a:t>(years, </a:t>
+            </a:r>
+            <a:r>
+              <a:rPr sz="1800" dirty="0" err="1">
+                <a:latin typeface="Courier"/>
+              </a:rPr>
+              <a:t>males_by_yr</a:t>
+            </a:r>
+            <a:r>
+              <a:rPr sz="1800" dirty="0">
+                <a:latin typeface="Courier"/>
+              </a:rPr>
+              <a:t>, width=.25, color='</a:t>
+            </a:r>
+            <a:r>
+              <a:rPr sz="1800" dirty="0" err="1">
+                <a:latin typeface="Courier"/>
+              </a:rPr>
+              <a:t>lightblue</a:t>
+            </a:r>
+            <a:r>
+              <a:rPr sz="1800" dirty="0">
+                <a:latin typeface="Courier"/>
+              </a:rPr>
+              <a:t>')</a:t>
+            </a:r>
+          </a:p>
+          <a:p>
+            <a:pPr lvl="1"/>
+            <a:r>
+              <a:rPr dirty="0"/>
+              <a:t>Plotting </a:t>
+            </a:r>
+            <a:r>
+              <a:rPr dirty="0" err="1"/>
+              <a:t>females_by_yr</a:t>
+            </a:r>
+            <a:r>
+              <a:rPr dirty="0"/>
+              <a:t> by </a:t>
+            </a:r>
+            <a:r>
+              <a:rPr dirty="0" err="1"/>
+              <a:t>years_shifted</a:t>
+            </a:r>
+            <a:endParaRPr dirty="0"/>
+          </a:p>
+          <a:p>
+            <a:pPr marL="1270000" lvl="0" indent="0">
+              <a:buNone/>
+            </a:pPr>
+            <a:r>
+              <a:rPr sz="1800" dirty="0" err="1">
+                <a:latin typeface="Courier"/>
+              </a:rPr>
+              <a:t>plt.bar</a:t>
+            </a:r>
+            <a:r>
+              <a:rPr sz="1800" dirty="0">
+                <a:latin typeface="Courier"/>
+              </a:rPr>
+              <a:t>(</a:t>
+            </a:r>
+            <a:r>
+              <a:rPr sz="1800" dirty="0" err="1">
+                <a:latin typeface="Courier"/>
+              </a:rPr>
+              <a:t>years_shifted</a:t>
+            </a:r>
+            <a:r>
+              <a:rPr sz="1800" dirty="0">
+                <a:latin typeface="Courier"/>
+              </a:rPr>
+              <a:t>, </a:t>
+            </a:r>
+            <a:r>
+              <a:rPr sz="1800" dirty="0" err="1">
+                <a:latin typeface="Courier"/>
+              </a:rPr>
+              <a:t>females_by_yr</a:t>
+            </a:r>
+            <a:r>
+              <a:rPr sz="1800" dirty="0">
+                <a:latin typeface="Courier"/>
+              </a:rPr>
+              <a:t>, width=.25, color='pink')</a:t>
+            </a:r>
+          </a:p>
+          <a:p>
+            <a:pPr lvl="1"/>
+            <a:r>
+              <a:rPr dirty="0"/>
+              <a:t>[OPTIONAL] - Adding relevant Axes labels and Chart Title</a:t>
+            </a:r>
+          </a:p>
+          <a:p>
+            <a:pPr marL="1270000" lvl="0" indent="0">
+              <a:buNone/>
+            </a:pPr>
+            <a:r>
+              <a:rPr sz="1800" dirty="0" err="1">
+                <a:latin typeface="Courier"/>
+              </a:rPr>
+              <a:t>plt.xlabel</a:t>
+            </a:r>
+            <a:r>
+              <a:rPr sz="1800" dirty="0">
+                <a:latin typeface="Courier"/>
+              </a:rPr>
+              <a:t> = 'Years'</a:t>
             </a:r>
           </a:p>
         </p:txBody>
       </p:sp>
     </p:spTree>
   </p:cSld>
+  <p:clrMapOvr>
+    <a:masterClrMapping/>
+  </p:clrMapOvr>
 </p:sld>
 </file>
 
@@ -3363,33 +3460,258 @@
           <a:chExt cx="0" cy="0"/>
         </a:xfrm>
       </p:grpSpPr>
-      <p:sp>
-        <p:nvSpPr>
-          <p:cNvPr id="2" name="Title 1"/>
-          <p:cNvSpPr>
-            <a:spLocks noGrp="1"/>
-          </p:cNvSpPr>
-          <p:nvPr>
-            <p:ph type="title"/>
-          </p:nvPr>
-        </p:nvSpPr>
-        <p:spPr/>
-        <p:txBody>
-          <a:bodyPr/>
-          <a:lstStyle/>
-          <a:p>
-            <a:pPr lvl="0" marL="0" indent="0">
-              <a:buNone/>
-            </a:pPr>
-            <a:r>
-              <a:rPr/>
-              <a:t>Questions</a:t>
+      <p:pic>
+        <p:nvPicPr>
+          <p:cNvPr id="5" name="Picture 4">
+            <a:extLst>
+              <a:ext uri="{FF2B5EF4-FFF2-40B4-BE49-F238E27FC236}">
+                <a16:creationId xmlns:a16="http://schemas.microsoft.com/office/drawing/2014/main" id="{8AAD8CCC-4D44-4010-BDF9-72A46B67FBF5}"/>
+              </a:ext>
+            </a:extLst>
+          </p:cNvPr>
+          <p:cNvPicPr>
+            <a:picLocks noChangeAspect="1"/>
+          </p:cNvPicPr>
+          <p:nvPr/>
+        </p:nvPicPr>
+        <p:blipFill>
+          <a:blip r:embed="rId2"/>
+          <a:stretch>
+            <a:fillRect/>
+          </a:stretch>
+        </p:blipFill>
+        <p:spPr>
+          <a:xfrm>
+            <a:off x="757238" y="1528763"/>
+            <a:ext cx="7672387" cy="4814887"/>
+          </a:xfrm>
+          <a:prstGeom prst="rect">
+            <a:avLst/>
+          </a:prstGeom>
+        </p:spPr>
+      </p:pic>
+      <p:sp>
+        <p:nvSpPr>
+          <p:cNvPr id="6" name="TextBox 5">
+            <a:extLst>
+              <a:ext uri="{FF2B5EF4-FFF2-40B4-BE49-F238E27FC236}">
+                <a16:creationId xmlns:a16="http://schemas.microsoft.com/office/drawing/2014/main" id="{62EE959A-B4DB-4639-8DDE-FB61E525DA0B}"/>
+              </a:ext>
+            </a:extLst>
+          </p:cNvPr>
+          <p:cNvSpPr txBox="1"/>
+          <p:nvPr/>
+        </p:nvSpPr>
+        <p:spPr>
+          <a:xfrm>
+            <a:off x="1343026" y="613291"/>
+            <a:ext cx="7243762" cy="523220"/>
+          </a:xfrm>
+          <a:prstGeom prst="rect">
+            <a:avLst/>
+          </a:prstGeom>
+          <a:noFill/>
+        </p:spPr>
+        <p:txBody>
+          <a:bodyPr wrap="square" rtlCol="0">
+            <a:spAutoFit/>
+          </a:bodyPr>
+          <a:lstStyle/>
+          <a:p>
+            <a:r>
+              <a:rPr lang="en-US" sz="2800" dirty="0"/>
+              <a:t>Grouped Bar Chart for Men and Women Authors</a:t>
             </a:r>
           </a:p>
         </p:txBody>
       </p:sp>
     </p:spTree>
   </p:cSld>
+  <p:clrMapOvr>
+    <a:masterClrMapping/>
+  </p:clrMapOvr>
+</p:sld>
+</file>
+
+<file path=ppt/slides/slide12.xml><?xml version="1.0" encoding="utf-8"?>
+<p:sld xmlns:a="http://schemas.openxmlformats.org/drawingml/2006/main" xmlns:r="http://schemas.openxmlformats.org/officeDocument/2006/relationships" xmlns:p="http://schemas.openxmlformats.org/presentationml/2006/main">
+  <p:cSld>
+    <p:spTree>
+      <p:nvGrpSpPr>
+        <p:cNvPr id="1" name=""/>
+        <p:cNvGrpSpPr/>
+        <p:nvPr/>
+      </p:nvGrpSpPr>
+      <p:grpSpPr>
+        <a:xfrm>
+          <a:off x="0" y="0"/>
+          <a:ext cx="0" cy="0"/>
+          <a:chOff x="0" y="0"/>
+          <a:chExt cx="0" cy="0"/>
+        </a:xfrm>
+      </p:grpSpPr>
+      <p:sp>
+        <p:nvSpPr>
+          <p:cNvPr id="2" name="Title 1"/>
+          <p:cNvSpPr>
+            <a:spLocks noGrp="1"/>
+          </p:cNvSpPr>
+          <p:nvPr>
+            <p:ph type="title"/>
+          </p:nvPr>
+        </p:nvSpPr>
+        <p:spPr/>
+        <p:txBody>
+          <a:bodyPr/>
+          <a:lstStyle/>
+          <a:p>
+            <a:pPr marL="0" lvl="0" indent="0">
+              <a:buNone/>
+            </a:pPr>
+            <a:r>
+              <a:t>Thanks</a:t>
+            </a:r>
+          </a:p>
+        </p:txBody>
+      </p:sp>
+      <p:sp>
+        <p:nvSpPr>
+          <p:cNvPr id="3" name="Content Placeholder 2"/>
+          <p:cNvSpPr>
+            <a:spLocks noGrp="1"/>
+          </p:cNvSpPr>
+          <p:nvPr>
+            <p:ph idx="1"/>
+          </p:nvPr>
+        </p:nvSpPr>
+        <p:spPr/>
+        <p:txBody>
+          <a:bodyPr/>
+          <a:lstStyle/>
+          <a:p>
+            <a:pPr lvl="1"/>
+            <a:r>
+              <a:rPr dirty="0" err="1"/>
+              <a:t>DataCamp</a:t>
+            </a:r>
+            <a:endParaRPr dirty="0"/>
+          </a:p>
+          <a:p>
+            <a:pPr lvl="1"/>
+            <a:r>
+              <a:rPr dirty="0"/>
+              <a:t>Prof</a:t>
+            </a:r>
+            <a:r>
+              <a:rPr lang="en-US" dirty="0"/>
+              <a:t>.</a:t>
+            </a:r>
+            <a:r>
+              <a:rPr dirty="0"/>
+              <a:t> Martin</a:t>
+            </a:r>
+            <a:r>
+              <a:rPr lang="en-US" dirty="0"/>
+              <a:t> </a:t>
+            </a:r>
+            <a:r>
+              <a:rPr lang="en-US" dirty="0" err="1"/>
+              <a:t>Skarzynski</a:t>
+            </a:r>
+            <a:endParaRPr dirty="0"/>
+          </a:p>
+        </p:txBody>
+      </p:sp>
+    </p:spTree>
+  </p:cSld>
+  <p:clrMapOvr>
+    <a:masterClrMapping/>
+  </p:clrMapOvr>
+</p:sld>
+</file>
+
+<file path=ppt/slides/slide13.xml><?xml version="1.0" encoding="utf-8"?>
+<p:sld xmlns:a="http://schemas.openxmlformats.org/drawingml/2006/main" xmlns:r="http://schemas.openxmlformats.org/officeDocument/2006/relationships" xmlns:p="http://schemas.openxmlformats.org/presentationml/2006/main">
+  <p:cSld>
+    <p:spTree>
+      <p:nvGrpSpPr>
+        <p:cNvPr id="1" name=""/>
+        <p:cNvGrpSpPr/>
+        <p:nvPr/>
+      </p:nvGrpSpPr>
+      <p:grpSpPr>
+        <a:xfrm>
+          <a:off x="0" y="0"/>
+          <a:ext cx="0" cy="0"/>
+          <a:chOff x="0" y="0"/>
+          <a:chExt cx="0" cy="0"/>
+        </a:xfrm>
+      </p:grpSpPr>
+      <p:sp>
+        <p:nvSpPr>
+          <p:cNvPr id="2" name="Title 1"/>
+          <p:cNvSpPr>
+            <a:spLocks noGrp="1"/>
+          </p:cNvSpPr>
+          <p:nvPr>
+            <p:ph type="title"/>
+          </p:nvPr>
+        </p:nvSpPr>
+        <p:spPr/>
+        <p:txBody>
+          <a:bodyPr/>
+          <a:lstStyle/>
+          <a:p>
+            <a:pPr marL="0" lvl="0" indent="0">
+              <a:buNone/>
+            </a:pPr>
+            <a:r>
+              <a:t>Questions</a:t>
+            </a:r>
+          </a:p>
+        </p:txBody>
+      </p:sp>
+      <p:pic>
+        <p:nvPicPr>
+          <p:cNvPr id="4" name="Graphic 3" descr="Help">
+            <a:extLst>
+              <a:ext uri="{FF2B5EF4-FFF2-40B4-BE49-F238E27FC236}">
+                <a16:creationId xmlns:a16="http://schemas.microsoft.com/office/drawing/2014/main" id="{DDE842BA-B358-4621-BFD7-7974135B6819}"/>
+              </a:ext>
+            </a:extLst>
+          </p:cNvPr>
+          <p:cNvPicPr>
+            <a:picLocks noChangeAspect="1"/>
+          </p:cNvPicPr>
+          <p:nvPr/>
+        </p:nvPicPr>
+        <p:blipFill>
+          <a:blip r:embed="rId2">
+            <a:extLst>
+              <a:ext uri="{96DAC541-7B7A-43D3-8B79-37D633B846F1}">
+                <asvg:svgBlip xmlns:asvg="http://schemas.microsoft.com/office/drawing/2016/SVG/main" r:embed="rId3"/>
+              </a:ext>
+            </a:extLst>
+          </a:blip>
+          <a:stretch>
+            <a:fillRect/>
+          </a:stretch>
+        </p:blipFill>
+        <p:spPr>
+          <a:xfrm>
+            <a:off x="1328737" y="1671639"/>
+            <a:ext cx="5686425" cy="4986336"/>
+          </a:xfrm>
+          <a:prstGeom prst="rect">
+            <a:avLst/>
+          </a:prstGeom>
+        </p:spPr>
+      </p:pic>
+    </p:spTree>
+  </p:cSld>
+  <p:clrMapOvr>
+    <a:masterClrMapping/>
+  </p:clrMapOvr>
 </p:sld>
 </file>
 
@@ -3425,11 +3747,10 @@
           <a:bodyPr/>
           <a:lstStyle/>
           <a:p>
-            <a:pPr lvl="0" marL="0" indent="0">
+            <a:pPr marL="0" lvl="0" indent="0">
               <a:buNone/>
             </a:pPr>
             <a:r>
-              <a:rPr/>
               <a:t>Table of Contents</a:t>
             </a:r>
           </a:p>
@@ -3447,7 +3768,9 @@
         </p:nvSpPr>
         <p:spPr/>
         <p:txBody>
-          <a:bodyPr/>
+          <a:bodyPr>
+            <a:normAutofit fontScale="92500" lnSpcReduction="10000"/>
+          </a:bodyPr>
           <a:lstStyle/>
           <a:p>
             <a:pPr lvl="1"/>
@@ -3516,6 +3839,9 @@
       </p:sp>
     </p:spTree>
   </p:cSld>
+  <p:clrMapOvr>
+    <a:masterClrMapping/>
+  </p:clrMapOvr>
 </p:sld>
 </file>
 
@@ -3548,100 +3874,43 @@
         </p:nvSpPr>
         <p:spPr/>
         <p:txBody>
+          <a:bodyPr>
+            <a:normAutofit fontScale="90000"/>
+          </a:bodyPr>
+          <a:lstStyle/>
+          <a:p>
+            <a:pPr marL="0" lvl="0" indent="0">
+              <a:buNone/>
+            </a:pPr>
+            <a:r>
+              <a:t>Words can have different spelling but same sounds</a:t>
+            </a:r>
+          </a:p>
+        </p:txBody>
+      </p:sp>
+      <p:sp>
+        <p:nvSpPr>
+          <p:cNvPr id="3" name="Content Placeholder 2"/>
+          <p:cNvSpPr>
+            <a:spLocks noGrp="1"/>
+          </p:cNvSpPr>
+          <p:nvPr>
+            <p:ph idx="1"/>
+          </p:nvPr>
+        </p:nvSpPr>
+        <p:spPr/>
+        <p:txBody>
           <a:bodyPr/>
           <a:lstStyle/>
           <a:p>
-            <a:pPr lvl="0" marL="0" indent="0">
-              <a:buNone/>
-            </a:pPr>
-            <a:r>
-              <a:rPr/>
-              <a:t>Words</a:t>
-            </a:r>
-            <a:r>
-              <a:rPr/>
-              <a:t> </a:t>
-            </a:r>
-            <a:r>
-              <a:rPr/>
-              <a:t>can</a:t>
-            </a:r>
-            <a:r>
-              <a:rPr/>
-              <a:t> </a:t>
-            </a:r>
-            <a:r>
-              <a:rPr/>
-              <a:t>have</a:t>
-            </a:r>
-            <a:r>
-              <a:rPr/>
-              <a:t> </a:t>
-            </a:r>
-            <a:r>
-              <a:rPr/>
-              <a:t>different</a:t>
-            </a:r>
-            <a:r>
-              <a:rPr/>
-              <a:t> </a:t>
-            </a:r>
-            <a:r>
-              <a:rPr/>
-              <a:t>spelling</a:t>
-            </a:r>
-            <a:r>
-              <a:rPr/>
-              <a:t> </a:t>
-            </a:r>
-            <a:r>
-              <a:rPr/>
-              <a:t>but</a:t>
-            </a:r>
-            <a:r>
-              <a:rPr/>
-              <a:t> </a:t>
-            </a:r>
-            <a:r>
-              <a:rPr/>
-              <a:t>same</a:t>
-            </a:r>
-            <a:r>
-              <a:rPr/>
-              <a:t> </a:t>
-            </a:r>
-            <a:r>
-              <a:rPr/>
-              <a:t>sounds</a:t>
-            </a:r>
-          </a:p>
-        </p:txBody>
-      </p:sp>
-      <p:sp>
-        <p:nvSpPr>
-          <p:cNvPr id="3" name="Content Placeholder 2"/>
-          <p:cNvSpPr>
-            <a:spLocks noGrp="1"/>
-          </p:cNvSpPr>
-          <p:nvPr>
-            <p:ph idx="1"/>
-          </p:nvPr>
-        </p:nvSpPr>
-        <p:spPr/>
-        <p:txBody>
-          <a:bodyPr/>
-          <a:lstStyle/>
-          <a:p>
             <a:pPr lvl="1"/>
             <a:r>
-              <a:rPr/>
               <a:t>Monica Monika</a:t>
             </a:r>
           </a:p>
           <a:p>
             <a:pPr lvl="1"/>
             <a:r>
-              <a:rPr/>
               <a:t>Use </a:t>
             </a:r>
             <a:r>
@@ -3651,7 +3920,6 @@
               <a:t>fuzzy module</a:t>
             </a:r>
             <a:r>
-              <a:rPr/>
               <a:t> with </a:t>
             </a:r>
             <a:r>
@@ -3661,14 +3929,12 @@
               <a:t>nysiis</a:t>
             </a:r>
             <a:r>
-              <a:rPr/>
               <a:t> method</a:t>
             </a:r>
           </a:p>
           <a:p>
             <a:pPr lvl="1"/>
             <a:r>
-              <a:rPr/>
               <a:t>Takes a string and outputs a phonetic (that is, sound) version of that string - </a:t>
             </a:r>
             <a:r>
@@ -3678,7 +3944,6 @@
               <a:t>fuzzy.nysiis('color')</a:t>
             </a:r>
             <a:r>
-              <a:rPr/>
               <a:t> and </a:t>
             </a:r>
             <a:r>
@@ -3688,7 +3953,6 @@
               <a:t>fuzzy.nysiis('colour')</a:t>
             </a:r>
             <a:r>
-              <a:rPr/>
               <a:t> both sound as </a:t>
             </a:r>
             <a:r>
@@ -3700,6 +3964,9 @@
       </p:sp>
     </p:spTree>
   </p:cSld>
+  <p:clrMapOvr>
+    <a:masterClrMapping/>
+  </p:clrMapOvr>
 </p:sld>
 </file>
 
@@ -3732,95 +3999,17 @@
         </p:nvSpPr>
         <p:spPr/>
         <p:txBody>
-          <a:bodyPr/>
-          <a:lstStyle/>
-          <a:p>
-            <a:pPr lvl="0" marL="0" indent="0">
+          <a:bodyPr>
+            <a:normAutofit fontScale="90000"/>
+          </a:bodyPr>
+          <a:lstStyle/>
+          <a:p>
+            <a:pPr marL="0" lvl="0" indent="0">
               <a:buNone/>
             </a:pPr>
             <a:r>
-              <a:rPr/>
-              <a:t>Read</a:t>
-            </a:r>
-            <a:r>
-              <a:rPr/>
-              <a:t> </a:t>
-            </a:r>
-            <a:r>
-              <a:rPr/>
-              <a:t>author</a:t>
-            </a:r>
-            <a:r>
-              <a:rPr/>
-              <a:t> </a:t>
-            </a:r>
-            <a:r>
-              <a:rPr/>
-              <a:t>names</a:t>
-            </a:r>
-            <a:r>
-              <a:rPr/>
-              <a:t> </a:t>
-            </a:r>
-            <a:r>
-              <a:rPr/>
-              <a:t>on</a:t>
-            </a:r>
-            <a:r>
-              <a:rPr/>
-              <a:t> </a:t>
-            </a:r>
-            <a:r>
-              <a:rPr/>
-              <a:t>Children’s</a:t>
-            </a:r>
-            <a:r>
-              <a:rPr/>
-              <a:t> </a:t>
-            </a:r>
-            <a:r>
-              <a:rPr/>
-              <a:t>Picture</a:t>
-            </a:r>
-            <a:r>
-              <a:rPr/>
-              <a:t> </a:t>
-            </a:r>
-            <a:r>
-              <a:rPr/>
-              <a:t>Books</a:t>
-            </a:r>
-            <a:r>
-              <a:rPr/>
-              <a:t> </a:t>
-            </a:r>
-            <a:r>
-              <a:rPr/>
-              <a:t>and</a:t>
-            </a:r>
-            <a:r>
-              <a:rPr/>
-              <a:t> </a:t>
-            </a:r>
-            <a:r>
-              <a:rPr/>
-              <a:t>get</a:t>
-            </a:r>
-            <a:r>
-              <a:rPr/>
-              <a:t> </a:t>
-            </a:r>
-            <a:r>
-              <a:rPr/>
-              <a:t>their</a:t>
-            </a:r>
-            <a:r>
-              <a:rPr/>
-              <a:t> </a:t>
-            </a:r>
-            <a:r>
-              <a:rPr/>
-              <a:t>gender</a:t>
+              <a:rPr dirty="0"/>
+              <a:t>Read author names on Children’s Picture Books and get their gender</a:t>
             </a:r>
           </a:p>
         </p:txBody>
@@ -3837,393 +4026,324 @@
         </p:nvSpPr>
         <p:spPr/>
         <p:txBody>
-          <a:bodyPr/>
+          <a:bodyPr>
+            <a:normAutofit fontScale="70000" lnSpcReduction="20000"/>
+          </a:bodyPr>
           <a:lstStyle/>
           <a:p>
             <a:pPr lvl="1"/>
             <a:r>
-              <a:rPr/>
+              <a:rPr dirty="0"/>
               <a:t>Use </a:t>
             </a:r>
             <a:r>
-              <a:rPr sz="1800">
+              <a:rPr sz="1800" dirty="0">
                 <a:latin typeface="Courier"/>
               </a:rPr>
               <a:t>panda</a:t>
             </a:r>
             <a:r>
-              <a:rPr/>
+              <a:rPr dirty="0"/>
               <a:t> module</a:t>
             </a:r>
           </a:p>
           <a:p>
-            <a:pPr lvl="0" marL="0" indent="0">
+            <a:pPr marL="0" lvl="0" indent="0">
               <a:spcBef>
                 <a:spcPts val="3000"/>
               </a:spcBef>
               <a:buNone/>
             </a:pPr>
             <a:r>
-              <a:rPr b="1"/>
-              <a:t>Extract first name of author from file and append it to the dataframe</a:t>
-            </a:r>
+              <a:rPr b="1" dirty="0"/>
+              <a:t>Extract first name of author from file and append it to the </a:t>
+            </a:r>
+            <a:r>
+              <a:rPr b="1" dirty="0" err="1"/>
+              <a:t>dataframe</a:t>
+            </a:r>
+            <a:endParaRPr b="1" dirty="0"/>
           </a:p>
           <a:p>
             <a:pPr lvl="2"/>
             <a:r>
-              <a:rPr/>
+              <a:rPr dirty="0"/>
               <a:t>Reading in datasets/nytkids_yearly.csv, which is semicolon delimited.</a:t>
             </a:r>
           </a:p>
           <a:p>
-            <a:pPr lvl="0" marL="1270000" indent="0">
+            <a:pPr marL="1270000" lvl="0" indent="0">
               <a:buNone/>
             </a:pPr>
             <a:r>
-              <a:rPr sz="1800">
-                <a:latin typeface="Courier"/>
-              </a:rPr>
-              <a:t>author_df = pd.read_csv('datasets/nytkids_yearly.csv', sep=';')</a:t>
+              <a:rPr sz="1800" dirty="0" err="1">
+                <a:latin typeface="Courier"/>
+              </a:rPr>
+              <a:t>author_df</a:t>
+            </a:r>
+            <a:r>
+              <a:rPr sz="1800" dirty="0">
+                <a:latin typeface="Courier"/>
+              </a:rPr>
+              <a:t> = </a:t>
+            </a:r>
+            <a:r>
+              <a:rPr sz="1800" dirty="0" err="1">
+                <a:latin typeface="Courier"/>
+              </a:rPr>
+              <a:t>pd.read_csv</a:t>
+            </a:r>
+            <a:r>
+              <a:rPr sz="1800" dirty="0">
+                <a:latin typeface="Courier"/>
+              </a:rPr>
+              <a:t>('datasets/nytkids_yearly.csv', </a:t>
+            </a:r>
+            <a:r>
+              <a:rPr sz="1800" dirty="0" err="1">
+                <a:latin typeface="Courier"/>
+              </a:rPr>
+              <a:t>sep</a:t>
+            </a:r>
+            <a:r>
+              <a:rPr sz="1800" dirty="0">
+                <a:latin typeface="Courier"/>
+              </a:rPr>
+              <a:t>=';')</a:t>
             </a:r>
           </a:p>
           <a:p>
             <a:pPr lvl="2"/>
             <a:r>
-              <a:rPr/>
-              <a:t>Looping through author_df[] to extract the authors first names</a:t>
-            </a:r>
-          </a:p>
-          <a:p>
-            <a:pPr lvl="0" marL="1270000" indent="0">
+              <a:rPr dirty="0"/>
+              <a:t>Looping through </a:t>
+            </a:r>
+            <a:r>
+              <a:rPr dirty="0" err="1"/>
+              <a:t>author_df</a:t>
+            </a:r>
+            <a:r>
+              <a:rPr dirty="0"/>
+              <a:t>[] to extract the authors first names</a:t>
+            </a:r>
+          </a:p>
+          <a:p>
+            <a:pPr marL="1270000" lvl="0" indent="0">
               <a:buNone/>
             </a:pPr>
             <a:r>
-              <a:rPr sz="1800">
-                <a:latin typeface="Courier"/>
-              </a:rPr>
-              <a:t>first_name = []
-for name in author_df['Author']:
-        first_name.append(name.split(' ')[0])</a:t>
+              <a:rPr sz="1800" dirty="0" err="1">
+                <a:latin typeface="Courier"/>
+              </a:rPr>
+              <a:t>first_name</a:t>
+            </a:r>
+            <a:r>
+              <a:rPr sz="1800" dirty="0">
+                <a:latin typeface="Courier"/>
+              </a:rPr>
+              <a:t> = []
+for name in </a:t>
+            </a:r>
+            <a:r>
+              <a:rPr sz="1800" dirty="0" err="1">
+                <a:latin typeface="Courier"/>
+              </a:rPr>
+              <a:t>author_df</a:t>
+            </a:r>
+            <a:r>
+              <a:rPr sz="1800" dirty="0">
+                <a:latin typeface="Courier"/>
+              </a:rPr>
+              <a:t>['Author']:
+        </a:t>
+            </a:r>
+            <a:r>
+              <a:rPr sz="1800" dirty="0" err="1">
+                <a:latin typeface="Courier"/>
+              </a:rPr>
+              <a:t>first_name.append</a:t>
+            </a:r>
+            <a:r>
+              <a:rPr sz="1800" dirty="0">
+                <a:latin typeface="Courier"/>
+              </a:rPr>
+              <a:t>(</a:t>
+            </a:r>
+            <a:r>
+              <a:rPr sz="1800" dirty="0" err="1">
+                <a:latin typeface="Courier"/>
+              </a:rPr>
+              <a:t>name.split</a:t>
+            </a:r>
+            <a:r>
+              <a:rPr sz="1800" dirty="0">
+                <a:latin typeface="Courier"/>
+              </a:rPr>
+              <a:t>(' ')[0])</a:t>
             </a:r>
           </a:p>
           <a:p>
             <a:pPr lvl="2"/>
             <a:r>
-              <a:rPr/>
-              <a:t>Adding first_name as a column to author_df</a:t>
-            </a:r>
-          </a:p>
-          <a:p>
-            <a:pPr lvl="0" marL="1270000" indent="0">
+              <a:rPr dirty="0"/>
+              <a:t>Adding </a:t>
+            </a:r>
+            <a:r>
+              <a:rPr dirty="0" err="1"/>
+              <a:t>first_name</a:t>
+            </a:r>
+            <a:r>
+              <a:rPr dirty="0"/>
+              <a:t> as a column to </a:t>
+            </a:r>
+            <a:r>
+              <a:rPr dirty="0" err="1"/>
+              <a:t>author_df</a:t>
+            </a:r>
+            <a:endParaRPr dirty="0"/>
+          </a:p>
+          <a:p>
+            <a:pPr marL="1270000" lvl="0" indent="0">
               <a:buNone/>
             </a:pPr>
             <a:r>
-              <a:rPr sz="1800">
-                <a:latin typeface="Courier"/>
-              </a:rPr>
-              <a:t>author_df['first_name'] = first_name</a:t>
-            </a:r>
+              <a:rPr sz="1800" dirty="0" err="1">
+                <a:latin typeface="Courier"/>
+              </a:rPr>
+              <a:t>author_df</a:t>
+            </a:r>
+            <a:r>
+              <a:rPr sz="1800" dirty="0">
+                <a:latin typeface="Courier"/>
+              </a:rPr>
+              <a:t>['</a:t>
+            </a:r>
+            <a:r>
+              <a:rPr sz="1800" dirty="0" err="1">
+                <a:latin typeface="Courier"/>
+              </a:rPr>
+              <a:t>first_name</a:t>
+            </a:r>
+            <a:r>
+              <a:rPr sz="1800" dirty="0">
+                <a:latin typeface="Courier"/>
+              </a:rPr>
+              <a:t>'] = </a:t>
+            </a:r>
+            <a:r>
+              <a:rPr sz="1800" dirty="0" err="1">
+                <a:latin typeface="Courier"/>
+              </a:rPr>
+              <a:t>first_name</a:t>
+            </a:r>
+            <a:endParaRPr sz="1800" dirty="0">
+              <a:latin typeface="Courier"/>
+            </a:endParaRPr>
           </a:p>
           <a:p>
             <a:pPr lvl="2"/>
             <a:r>
-              <a:rPr/>
-              <a:t>First few lines of dataframe</a:t>
-            </a:r>
-          </a:p>
-          <a:p>
-            <a:pPr lvl="0" marL="1270000" indent="0">
+              <a:rPr dirty="0"/>
+              <a:t>First few lines of </a:t>
+            </a:r>
+            <a:r>
+              <a:rPr dirty="0" err="1"/>
+              <a:t>dataframe</a:t>
+            </a:r>
+            <a:endParaRPr dirty="0"/>
+          </a:p>
+          <a:p>
+            <a:pPr marL="1270000" lvl="0" indent="0">
               <a:buNone/>
             </a:pPr>
             <a:r>
-              <a:rPr sz="1800">
-                <a:latin typeface="Courier"/>
-              </a:rPr>
-              <a:t>       Year    Book Title  Author  Besteller this year first_name
+              <a:rPr sz="1800" dirty="0">
+                <a:latin typeface="Courier"/>
+              </a:rPr>
+              <a:t>       Year    Book Title  Author  </a:t>
+            </a:r>
+            <a:r>
+              <a:rPr sz="1800" dirty="0" err="1">
+                <a:latin typeface="Courier"/>
+              </a:rPr>
+              <a:t>Besteller</a:t>
+            </a:r>
+            <a:r>
+              <a:rPr sz="1800" dirty="0">
+                <a:latin typeface="Courier"/>
+              </a:rPr>
+              <a:t> this year </a:t>
+            </a:r>
+            <a:r>
+              <a:rPr sz="1800" dirty="0" err="1">
+                <a:latin typeface="Courier"/>
+              </a:rPr>
+              <a:t>first_name</a:t>
+            </a:r>
+            <a:r>
+              <a:rPr sz="1800" dirty="0">
+                <a:latin typeface="Courier"/>
+              </a:rPr>
+              <a:t>
      0 2017    DRAGONS LOVE TACOS  Adam Rubin  49  Adam
      1 2017    THE WONDERFUL THINGS YOU WILL BE    Emily Winfield Martin   48  Emily
-     2 2017    THE DAY THE CRAYONS QUIT    Drew Daywalt    44  Drew
-     3 2017    ROSIE REVERE, ENGINEER  Andrea Beaty    38  Andrea
-     4 2017    ADA TWIST, SCIENTIST    Andrea Beaty    28  Andrea</a:t>
-            </a:r>
-          </a:p>
-          <a:p>
-            <a:pPr lvl="0" marL="0" indent="0">
+     2 2017    THE DAY THE CRAYONS QUIT    Drew </a:t>
+            </a:r>
+            <a:r>
+              <a:rPr sz="1800" dirty="0" err="1">
+                <a:latin typeface="Courier"/>
+              </a:rPr>
+              <a:t>Daywalt</a:t>
+            </a:r>
+            <a:r>
+              <a:rPr sz="1800" dirty="0">
+                <a:latin typeface="Courier"/>
+              </a:rPr>
+              <a:t>    44  Drew
+     3 2017    ROSIE REVERE, ENGINEER  Andrea </a:t>
+            </a:r>
+            <a:r>
+              <a:rPr sz="1800" dirty="0" err="1">
+                <a:latin typeface="Courier"/>
+              </a:rPr>
+              <a:t>Beaty</a:t>
+            </a:r>
+            <a:r>
+              <a:rPr sz="1800" dirty="0">
+                <a:latin typeface="Courier"/>
+              </a:rPr>
+              <a:t>    38  Andrea
+     4 2017    ADA TWIST, SCIENTIST    Andrea </a:t>
+            </a:r>
+            <a:r>
+              <a:rPr sz="1800" dirty="0" err="1">
+                <a:latin typeface="Courier"/>
+              </a:rPr>
+              <a:t>Beaty</a:t>
+            </a:r>
+            <a:r>
+              <a:rPr sz="1800" dirty="0">
+                <a:latin typeface="Courier"/>
+              </a:rPr>
+              <a:t>    28  Andrea</a:t>
+            </a:r>
+          </a:p>
+          <a:p>
+            <a:pPr marL="0" lvl="0" indent="0">
               <a:spcBef>
                 <a:spcPts val="3000"/>
               </a:spcBef>
               <a:buNone/>
             </a:pPr>
-            <a:r>
-              <a:rPr b="1"/>
-              <a:t>Get the phenotic sounds on the first name of author list</a:t>
-            </a:r>
-          </a:p>
-          <a:p>
-            <a:pPr lvl="2"/>
-            <a:r>
-              <a:rPr/>
-              <a:t>Importing numpy</a:t>
-            </a:r>
-          </a:p>
-          <a:p>
-            <a:pPr lvl="0" marL="1270000" indent="0">
-              <a:buNone/>
-            </a:pPr>
-            <a:r>
-              <a:rPr sz="1800">
-                <a:latin typeface="Courier"/>
-              </a:rPr>
-              <a:t>import numpy as np</a:t>
-            </a:r>
-          </a:p>
-          <a:p>
-            <a:pPr lvl="2"/>
-            <a:r>
-              <a:rPr/>
-              <a:t>Looping through author’s first names to create the nysiis (fuzzy) equivalent</a:t>
-            </a:r>
-          </a:p>
-          <a:p>
-            <a:pPr lvl="0" marL="1270000" indent="0">
-              <a:buNone/>
-            </a:pPr>
-            <a:r>
-              <a:rPr sz="1800">
-                <a:latin typeface="Courier"/>
-              </a:rPr>
-              <a:t>nysiis_name = []
-for first in author_df['first_name']:
-        nysiis_name.append(fuzzy.nysiis(first))</a:t>
-            </a:r>
-          </a:p>
-          <a:p>
-            <a:pPr lvl="2"/>
-            <a:r>
-              <a:rPr/>
-              <a:t>Adding nysiis_name as a column to author_df</a:t>
-            </a:r>
-          </a:p>
-          <a:p>
-            <a:pPr lvl="2">
-              <a:buNone/>
-            </a:pPr>
-            <a:r>
-              <a:rPr/>
-              <a:t>author_df[] = nysiis_name</a:t>
-            </a:r>
-          </a:p>
-          <a:p>
-            <a:pPr lvl="2"/>
-            <a:r>
-              <a:rPr/>
-              <a:t>First few lines of dataframe</a:t>
-            </a:r>
-          </a:p>
-          <a:p>
-            <a:pPr lvl="0" marL="1270000" indent="0">
-              <a:buNone/>
-            </a:pPr>
-            <a:r>
-              <a:rPr sz="1800">
-                <a:latin typeface="Courier"/>
-              </a:rPr>
-              <a:t>       Year    Book Title  Author  Besteller this year first_name  nysiis_name
-     0 2017    DRAGONS LOVE TACOS  Adam Rubin  49  Adam    ADAN
-     1 2017    THE WONDERFUL THINGS YOU WILL BE    Emily Winfield Martin   48  Emily   ENALY
-     2 2017    THE DAY THE CRAYONS QUIT    Drew Daywalt    44  Drew    DR
-     3 2017    ROSIE REVERE, ENGINEER  Andrea Beaty    38  Andrea  ANDR
-     4 2017    ADA TWIST, SCIENTIST    Andrea Beaty    28  Andrea  ANDR</a:t>
-            </a:r>
-          </a:p>
-          <a:p>
-            <a:pPr lvl="0" marL="0" indent="0">
-              <a:spcBef>
-                <a:spcPts val="3000"/>
-              </a:spcBef>
-              <a:buNone/>
-            </a:pPr>
-            <a:r>
-              <a:rPr b="1"/>
-              <a:t>Extract the gender information from Social Security Administartion baby name data</a:t>
-            </a:r>
-          </a:p>
-          <a:p>
-            <a:pPr lvl="2"/>
-            <a:r>
-              <a:rPr/>
-              <a:t>Reading in datasets/babynames_nysiis.csv, which is semicolon delimited</a:t>
-            </a:r>
-          </a:p>
-          <a:p>
-            <a:pPr lvl="0" marL="1270000" indent="0">
-              <a:buNone/>
-            </a:pPr>
-            <a:r>
-              <a:rPr sz="1800">
-                <a:latin typeface="Courier"/>
-              </a:rPr>
-              <a:t>babies_df = pd.read_csv('datasets/babynames_nysiis.csv', sep=';')</a:t>
-            </a:r>
-          </a:p>
-          <a:p>
-            <a:pPr lvl="2"/>
-            <a:r>
-              <a:rPr/>
-              <a:t>Looping through babies_df to and filling up gender</a:t>
-            </a:r>
-          </a:p>
-          <a:p>
-            <a:pPr lvl="0" marL="1270000" indent="0">
-              <a:buNone/>
-            </a:pPr>
-            <a:r>
-              <a:rPr sz="1800">
-                <a:latin typeface="Courier"/>
-              </a:rPr>
-              <a:t>gender = []
-num = 0
-for name in babies_df['babynysiis']:
-        if(babies_df.at[num,'perc_female']&gt;babies_df.at[num,'perc_male']):
-                gender.append('F')
-        elif(babies_df.at[num,'perc_female']&lt;babies_df.at[num,'perc_male']):
-                gender.append('M')
-        else:
-                gender.append('N')
-        num = num+1</a:t>
-            </a:r>
-          </a:p>
-          <a:p>
-            <a:pPr lvl="2"/>
-            <a:r>
-              <a:rPr/>
-              <a:t>Adding a gender column to babies_df</a:t>
-            </a:r>
-          </a:p>
-          <a:p>
-            <a:pPr lvl="2">
-              <a:buNone/>
-            </a:pPr>
-            <a:r>
-              <a:rPr/>
-              <a:t>babies_df[] = gender</a:t>
-            </a:r>
-          </a:p>
-          <a:p>
-            <a:pPr lvl="2"/>
-            <a:r>
-              <a:rPr/>
-              <a:t>It has information on the percentage of times the name appeared as a female name and the percentage of times it appeared as a male name</a:t>
-            </a:r>
-          </a:p>
-          <a:p>
-            <a:pPr lvl="0" marL="0" indent="0">
-              <a:spcBef>
-                <a:spcPts val="3000"/>
-              </a:spcBef>
-              <a:buNone/>
-            </a:pPr>
-            <a:r>
-              <a:rPr b="1"/>
-              <a:t>Match the baby names to the author first names and get the author gender</a:t>
-            </a:r>
-          </a:p>
-          <a:p>
-            <a:pPr lvl="2"/>
-            <a:r>
-              <a:rPr/>
-              <a:t>This function returns the location of an element in a_list. Where an item does not exist, it returns -1</a:t>
-            </a:r>
-          </a:p>
-          <a:p>
-            <a:pPr lvl="0" marL="1270000" indent="0">
-              <a:buNone/>
-            </a:pPr>
-            <a:r>
-              <a:rPr sz="1800">
-                <a:latin typeface="Courier"/>
-              </a:rPr>
-              <a:t>def locate_in_list(a_list, element):
-loc_of_name = a_list.index(element) if element in a_list else -1
-return(loc_of_name)</a:t>
-            </a:r>
-          </a:p>
-          <a:p>
-            <a:pPr lvl="2"/>
-            <a:r>
-              <a:rPr/>
-              <a:t>Looping through author_df[] and appending the gender of each. Author to author_gender</a:t>
-            </a:r>
-          </a:p>
-          <a:p>
-            <a:pPr lvl="0" marL="1270000" indent="0">
-              <a:buNone/>
-            </a:pPr>
-            <a:r>
-              <a:rPr sz="1800">
-                <a:latin typeface="Courier"/>
-              </a:rPr>
-              <a:t>author_gender = []
-for name in author_df['nysiis_name']:
-        index_loc = locate_in_list(babies_df['babynysiis'].tolist(), name)
-        if(index_loc == -1):
-                gender = 'Unknown'
-        else:
-                gender = babies_df.at[index_loc, 'gender']
-        author_gender.append(gender)</a:t>
-            </a:r>
-          </a:p>
-          <a:p>
-            <a:pPr lvl="2"/>
-            <a:r>
-              <a:rPr/>
-              <a:t>Adding author_gender to the author_df</a:t>
-            </a:r>
-          </a:p>
-          <a:p>
-            <a:pPr lvl="0" marL="1270000" indent="0">
-              <a:buNone/>
-            </a:pPr>
-            <a:r>
-              <a:rPr sz="1800">
-                <a:latin typeface="Courier"/>
-              </a:rPr>
-              <a:t>author_df['author_gender'] = author_gender</a:t>
-            </a:r>
-          </a:p>
-          <a:p>
-            <a:pPr lvl="2"/>
-            <a:r>
-              <a:rPr/>
-              <a:t>Counting the author’s genders</a:t>
-            </a:r>
-          </a:p>
-          <a:p>
-            <a:pPr lvl="0" marL="1270000" indent="0">
-              <a:buNone/>
-            </a:pPr>
-            <a:r>
-              <a:rPr sz="1800">
-                <a:latin typeface="Courier"/>
-              </a:rPr>
-              <a:t>author_df['author_gender'].value_counts()
-F          395
-M          191
-Unknown      9
-N            8</a:t>
-            </a:r>
-          </a:p>
-          <a:p>
-            <a:pPr lvl="3"/>
-            <a:r>
-              <a:rPr/>
-              <a:t>Based on the counts we have more female authors on the New York Times best seller’s list than male authors</a:t>
-            </a:r>
+            <a:endParaRPr dirty="0"/>
           </a:p>
         </p:txBody>
       </p:sp>
     </p:spTree>
   </p:cSld>
+  <p:clrMapOvr>
+    <a:masterClrMapping/>
+  </p:clrMapOvr>
 </p:sld>
 </file>
 
@@ -4246,7 +4366,13 @@
       </p:grpSpPr>
       <p:sp>
         <p:nvSpPr>
-          <p:cNvPr id="2" name="Title 1"/>
+          <p:cNvPr id="2" name="Title 1">
+            <a:extLst>
+              <a:ext uri="{FF2B5EF4-FFF2-40B4-BE49-F238E27FC236}">
+                <a16:creationId xmlns:a16="http://schemas.microsoft.com/office/drawing/2014/main" id="{5E517C34-FAF6-4E47-91F2-9F80492F462D}"/>
+              </a:ext>
+            </a:extLst>
+          </p:cNvPr>
           <p:cNvSpPr>
             <a:spLocks noGrp="1"/>
           </p:cNvSpPr>
@@ -4256,151 +4382,343 @@
         </p:nvSpPr>
         <p:spPr/>
         <p:txBody>
-          <a:bodyPr/>
-          <a:lstStyle/>
-          <a:p>
-            <a:pPr lvl="0" marL="0" indent="0">
+          <a:bodyPr>
+            <a:normAutofit fontScale="90000"/>
+          </a:bodyPr>
+          <a:lstStyle/>
+          <a:p>
+            <a:r>
+              <a:rPr lang="en-US" dirty="0"/>
+              <a:t>Read author names on Children’s Picture Books and get their gender</a:t>
+            </a:r>
+          </a:p>
+        </p:txBody>
+      </p:sp>
+      <p:sp>
+        <p:nvSpPr>
+          <p:cNvPr id="3" name="Content Placeholder 2">
+            <a:extLst>
+              <a:ext uri="{FF2B5EF4-FFF2-40B4-BE49-F238E27FC236}">
+                <a16:creationId xmlns:a16="http://schemas.microsoft.com/office/drawing/2014/main" id="{F7F70BE3-B061-49E9-8532-FDEE2CDCE9DE}"/>
+              </a:ext>
+            </a:extLst>
+          </p:cNvPr>
+          <p:cNvSpPr>
+            <a:spLocks noGrp="1"/>
+          </p:cNvSpPr>
+          <p:nvPr>
+            <p:ph idx="1"/>
+          </p:nvPr>
+        </p:nvSpPr>
+        <p:spPr>
+          <a:xfrm>
+            <a:off x="128589" y="1600200"/>
+            <a:ext cx="8872536" cy="5043488"/>
+          </a:xfrm>
+        </p:spPr>
+        <p:txBody>
+          <a:bodyPr>
+            <a:normAutofit fontScale="77500" lnSpcReduction="20000"/>
+          </a:bodyPr>
+          <a:lstStyle/>
+          <a:p>
+            <a:pPr marL="0" lvl="0" indent="0">
+              <a:spcBef>
+                <a:spcPts val="3000"/>
+              </a:spcBef>
               <a:buNone/>
             </a:pPr>
             <a:r>
-              <a:rPr/>
-              <a:t>Analyze</a:t>
-            </a:r>
-            <a:r>
-              <a:rPr/>
-              <a:t> </a:t>
-            </a:r>
-            <a:r>
-              <a:rPr/>
-              <a:t>author</a:t>
-            </a:r>
-            <a:r>
-              <a:rPr/>
-              <a:t> </a:t>
-            </a:r>
-            <a:r>
-              <a:rPr/>
-              <a:t>gender</a:t>
-            </a:r>
-            <a:r>
-              <a:rPr/>
-              <a:t> </a:t>
-            </a:r>
-            <a:r>
-              <a:rPr/>
-              <a:t>distribution</a:t>
-            </a:r>
-            <a:r>
-              <a:rPr/>
-              <a:t> </a:t>
-            </a:r>
-            <a:r>
-              <a:rPr/>
-              <a:t>over</a:t>
-            </a:r>
-            <a:r>
-              <a:rPr/>
-              <a:t> </a:t>
-            </a:r>
-            <a:r>
-              <a:rPr/>
-              <a:t>time</a:t>
-            </a:r>
-          </a:p>
-        </p:txBody>
-      </p:sp>
-      <p:sp>
-        <p:nvSpPr>
-          <p:cNvPr id="3" name="Content Placeholder 2"/>
-          <p:cNvSpPr>
-            <a:spLocks noGrp="1"/>
-          </p:cNvSpPr>
-          <p:nvPr>
-            <p:ph idx="1"/>
-          </p:nvPr>
-        </p:nvSpPr>
-        <p:spPr/>
-        <p:txBody>
-          <a:bodyPr/>
-          <a:lstStyle/>
-          <a:p>
-            <a:pPr lvl="1"/>
-            <a:r>
-              <a:rPr/>
-              <a:t>Find number of male and female authors per year</a:t>
-            </a:r>
-          </a:p>
-          <a:p>
-            <a:pPr lvl="1"/>
-            <a:r>
-              <a:rPr/>
-              <a:t>Examine the changes over time</a:t>
-            </a:r>
-          </a:p>
-          <a:p>
-            <a:pPr lvl="1"/>
-            <a:r>
-              <a:rPr/>
-              <a:t>Creating a list of unique years, sorted in ascending order</a:t>
-            </a:r>
-          </a:p>
-          <a:p>
-            <a:pPr lvl="0" marL="1270000" indent="0">
+              <a:rPr lang="en-US" b="1" dirty="0"/>
+              <a:t>	Get the </a:t>
+            </a:r>
+            <a:r>
+              <a:rPr lang="en-US" b="1" dirty="0" err="1"/>
+              <a:t>phenotic</a:t>
+            </a:r>
+            <a:r>
+              <a:rPr lang="en-US" b="1" dirty="0"/>
+              <a:t> sounds on the first name of author list</a:t>
+            </a:r>
+          </a:p>
+          <a:p>
+            <a:pPr lvl="2"/>
+            <a:r>
+              <a:rPr lang="en-US" dirty="0"/>
+              <a:t>Importing </a:t>
+            </a:r>
+            <a:r>
+              <a:rPr lang="en-US" dirty="0" err="1"/>
+              <a:t>numpy</a:t>
+            </a:r>
+            <a:endParaRPr lang="en-US" dirty="0"/>
+          </a:p>
+          <a:p>
+            <a:pPr marL="1270000" lvl="0" indent="0">
               <a:buNone/>
             </a:pPr>
             <a:r>
-              <a:rPr sz="1800">
-                <a:latin typeface="Courier"/>
-              </a:rPr>
-              <a:t> years = list(author_df['Year'].unique())
- years.sort(key=int)</a:t>
-            </a:r>
-          </a:p>
-          <a:p>
-            <a:pPr lvl="1"/>
-            <a:r>
-              <a:rPr/>
-              <a:t>Initializing lists</a:t>
-            </a:r>
-          </a:p>
-          <a:p>
-            <a:pPr lvl="0" marL="1270000" indent="0">
+              <a:rPr lang="en-US" sz="1800" dirty="0">
+                <a:latin typeface="Courier"/>
+              </a:rPr>
+              <a:t>import </a:t>
+            </a:r>
+            <a:r>
+              <a:rPr lang="en-US" sz="1800" dirty="0" err="1">
+                <a:latin typeface="Courier"/>
+              </a:rPr>
+              <a:t>numpy</a:t>
+            </a:r>
+            <a:r>
+              <a:rPr lang="en-US" sz="1800" dirty="0">
+                <a:latin typeface="Courier"/>
+              </a:rPr>
+              <a:t> as np</a:t>
+            </a:r>
+          </a:p>
+          <a:p>
+            <a:pPr lvl="2"/>
+            <a:r>
+              <a:rPr lang="en-US" dirty="0"/>
+              <a:t>Looping through author’s first names to create the </a:t>
+            </a:r>
+            <a:r>
+              <a:rPr lang="en-US" dirty="0" err="1"/>
+              <a:t>nysiis</a:t>
+            </a:r>
+            <a:r>
+              <a:rPr lang="en-US" dirty="0"/>
+              <a:t> (fuzzy) equivalent</a:t>
+            </a:r>
+          </a:p>
+          <a:p>
+            <a:pPr marL="1270000" lvl="0" indent="0">
               <a:buNone/>
             </a:pPr>
             <a:r>
-              <a:rPr sz="1800">
-                <a:latin typeface="Courier"/>
-              </a:rPr>
-              <a:t> males_by_yr = []
- females_by_yr = []
- unknown_by_yr = []</a:t>
-            </a:r>
-          </a:p>
-          <a:p>
-            <a:pPr lvl="1"/>
-            <a:r>
-              <a:rPr/>
-              <a:t>Looping through years to find the number of male, female and unknown authors per year</a:t>
-            </a:r>
-          </a:p>
-          <a:p>
-            <a:pPr lvl="0" marL="1270000" indent="0">
+              <a:rPr lang="en-US" sz="1800" dirty="0" err="1">
+                <a:latin typeface="Courier"/>
+              </a:rPr>
+              <a:t>nysiis_name</a:t>
+            </a:r>
+            <a:r>
+              <a:rPr lang="en-US" sz="1800" dirty="0">
+                <a:latin typeface="Courier"/>
+              </a:rPr>
+              <a:t> = []
+for first in </a:t>
+            </a:r>
+            <a:r>
+              <a:rPr lang="en-US" sz="1800" dirty="0" err="1">
+                <a:latin typeface="Courier"/>
+              </a:rPr>
+              <a:t>author_df</a:t>
+            </a:r>
+            <a:r>
+              <a:rPr lang="en-US" sz="1800" dirty="0">
+                <a:latin typeface="Courier"/>
+              </a:rPr>
+              <a:t>['</a:t>
+            </a:r>
+            <a:r>
+              <a:rPr lang="en-US" sz="1800" dirty="0" err="1">
+                <a:latin typeface="Courier"/>
+              </a:rPr>
+              <a:t>first_name</a:t>
+            </a:r>
+            <a:r>
+              <a:rPr lang="en-US" sz="1800" dirty="0">
+                <a:latin typeface="Courier"/>
+              </a:rPr>
+              <a:t>']:
+        </a:t>
+            </a:r>
+            <a:r>
+              <a:rPr lang="en-US" sz="1800" dirty="0" err="1">
+                <a:latin typeface="Courier"/>
+              </a:rPr>
+              <a:t>nysiis_name.append</a:t>
+            </a:r>
+            <a:r>
+              <a:rPr lang="en-US" sz="1800" dirty="0">
+                <a:latin typeface="Courier"/>
+              </a:rPr>
+              <a:t>(</a:t>
+            </a:r>
+            <a:r>
+              <a:rPr lang="en-US" sz="1800" dirty="0" err="1">
+                <a:latin typeface="Courier"/>
+              </a:rPr>
+              <a:t>fuzzy.nysiis</a:t>
+            </a:r>
+            <a:r>
+              <a:rPr lang="en-US" sz="1800" dirty="0">
+                <a:latin typeface="Courier"/>
+              </a:rPr>
+              <a:t>(first))</a:t>
+            </a:r>
+          </a:p>
+          <a:p>
+            <a:pPr lvl="2"/>
+            <a:r>
+              <a:rPr lang="en-US" dirty="0"/>
+              <a:t>Adding </a:t>
+            </a:r>
+            <a:r>
+              <a:rPr lang="en-US" dirty="0" err="1"/>
+              <a:t>nysiis_name</a:t>
+            </a:r>
+            <a:r>
+              <a:rPr lang="en-US" dirty="0"/>
+              <a:t> as a column to </a:t>
+            </a:r>
+            <a:r>
+              <a:rPr lang="en-US" dirty="0" err="1"/>
+              <a:t>author_df</a:t>
+            </a:r>
+            <a:endParaRPr lang="en-US" dirty="0"/>
+          </a:p>
+          <a:p>
+            <a:pPr lvl="2">
               <a:buNone/>
             </a:pPr>
             <a:r>
-              <a:rPr sz="1800">
-                <a:latin typeface="Courier"/>
-              </a:rPr>
-              <a:t> for year in years:
-         males_by_yr.append(len(author_df.loc[(author_df['Year'] == year) &amp; (author_df['author_gender'] == 'M')]))
-         females_by_yr.append(len(author_df.loc[(author_df['Year'] == year) &amp; (author_df['author_gender'] == 'F')]))
-         unknown_by_yr.append(len(author_df.loc[(author_df['Year'] == year) &amp; (author_df['author_gender'] == 'Unknown')]))</a:t>
-            </a:r>
+              <a:rPr lang="en-US" dirty="0" err="1"/>
+              <a:t>author_df</a:t>
+            </a:r>
+            <a:r>
+              <a:rPr lang="en-US" dirty="0"/>
+              <a:t>[] = </a:t>
+            </a:r>
+            <a:r>
+              <a:rPr lang="en-US" dirty="0" err="1"/>
+              <a:t>nysiis_name</a:t>
+            </a:r>
+            <a:endParaRPr lang="en-US" dirty="0"/>
+          </a:p>
+          <a:p>
+            <a:pPr lvl="2"/>
+            <a:r>
+              <a:rPr lang="en-US" dirty="0"/>
+              <a:t>First few lines of </a:t>
+            </a:r>
+            <a:r>
+              <a:rPr lang="en-US" dirty="0" err="1"/>
+              <a:t>dataframe</a:t>
+            </a:r>
+            <a:endParaRPr lang="en-US" dirty="0"/>
+          </a:p>
+          <a:p>
+            <a:pPr lvl="2"/>
+            <a:endParaRPr lang="en-US" dirty="0"/>
+          </a:p>
+          <a:p>
+            <a:pPr marL="914400" lvl="2" indent="0">
+              <a:buNone/>
+            </a:pPr>
+            <a:r>
+              <a:rPr lang="en-US" dirty="0">
+                <a:latin typeface="Courier"/>
+              </a:rPr>
+              <a:t>	</a:t>
+            </a:r>
+            <a:r>
+              <a:rPr lang="en-US" sz="1700" dirty="0">
+                <a:latin typeface="Courier"/>
+              </a:rPr>
+              <a:t> Year    Book Title  Author  </a:t>
+            </a:r>
+            <a:r>
+              <a:rPr lang="en-US" sz="1700" dirty="0" err="1">
+                <a:latin typeface="Courier"/>
+              </a:rPr>
+              <a:t>Besteller</a:t>
+            </a:r>
+            <a:r>
+              <a:rPr lang="en-US" sz="1700" dirty="0">
+                <a:latin typeface="Courier"/>
+              </a:rPr>
+              <a:t> this year </a:t>
+            </a:r>
+            <a:r>
+              <a:rPr lang="en-US" sz="1700" dirty="0" err="1">
+                <a:latin typeface="Courier"/>
+              </a:rPr>
+              <a:t>first_name</a:t>
+            </a:r>
+            <a:r>
+              <a:rPr lang="en-US" sz="1700" dirty="0">
+                <a:latin typeface="Courier"/>
+              </a:rPr>
+              <a:t>  </a:t>
+            </a:r>
+            <a:r>
+              <a:rPr lang="en-US" sz="1700" dirty="0" err="1">
+                <a:latin typeface="Courier"/>
+              </a:rPr>
+              <a:t>nysiis_name</a:t>
+            </a:r>
+            <a:r>
+              <a:rPr lang="en-US" sz="1700" dirty="0">
+                <a:latin typeface="Courier"/>
+              </a:rPr>
+              <a:t>
+     0 2017    DRAGONS LOVE TACOS  Adam Rubin  49  Adam    ADAN
+     1 2017    THE WONDERFUL THINGS YOU WILL BE    Emily Winfield Martin   48  Emily   ENALY
+     2 2017    THE DAY THE CRAYONS QUIT    Drew </a:t>
+            </a:r>
+            <a:r>
+              <a:rPr lang="en-US" sz="1700" dirty="0" err="1">
+                <a:latin typeface="Courier"/>
+              </a:rPr>
+              <a:t>Daywalt</a:t>
+            </a:r>
+            <a:r>
+              <a:rPr lang="en-US" sz="1700" dirty="0">
+                <a:latin typeface="Courier"/>
+              </a:rPr>
+              <a:t>    44  Drew    DR
+     3 2017    ROSIE REVERE, ENGINEER  Andrea </a:t>
+            </a:r>
+            <a:r>
+              <a:rPr lang="en-US" sz="1700" dirty="0" err="1">
+                <a:latin typeface="Courier"/>
+              </a:rPr>
+              <a:t>Beaty</a:t>
+            </a:r>
+            <a:r>
+              <a:rPr lang="en-US" sz="1700" dirty="0">
+                <a:latin typeface="Courier"/>
+              </a:rPr>
+              <a:t>    38  Andrea  ANDR
+     4 2017    ADA TWIST, SCIENTIST    Andrea </a:t>
+            </a:r>
+            <a:r>
+              <a:rPr lang="en-US" sz="1700" dirty="0" err="1">
+                <a:latin typeface="Courier"/>
+              </a:rPr>
+              <a:t>Beaty</a:t>
+            </a:r>
+            <a:r>
+              <a:rPr lang="en-US" sz="1700" dirty="0">
+                <a:latin typeface="Courier"/>
+              </a:rPr>
+              <a:t>    28  Andrea  ANDR</a:t>
+            </a:r>
+            <a:endParaRPr lang="en-US" sz="1700" dirty="0"/>
           </a:p>
         </p:txBody>
       </p:sp>
     </p:spTree>
+    <p:extLst>
+      <p:ext uri="{BB962C8B-B14F-4D97-AF65-F5344CB8AC3E}">
+        <p14:creationId xmlns:p14="http://schemas.microsoft.com/office/powerpoint/2010/main" val="2188112429"/>
+      </p:ext>
+    </p:extLst>
   </p:cSld>
+  <p:clrMapOvr>
+    <a:masterClrMapping/>
+  </p:clrMapOvr>
 </p:sld>
 </file>
 
@@ -4433,143 +4751,16 @@
         </p:nvSpPr>
         <p:spPr/>
         <p:txBody>
-          <a:bodyPr/>
-          <a:lstStyle/>
-          <a:p>
-            <a:pPr lvl="0" marL="0" indent="0">
+          <a:bodyPr>
+            <a:normAutofit fontScale="90000"/>
+          </a:bodyPr>
+          <a:lstStyle/>
+          <a:p>
+            <a:pPr marL="0" lvl="0" indent="0">
               <a:buNone/>
             </a:pPr>
             <a:r>
-              <a:rPr/>
-              <a:t>Explore</a:t>
-            </a:r>
-            <a:r>
-              <a:rPr/>
-              <a:t> </a:t>
-            </a:r>
-            <a:r>
-              <a:rPr/>
-              <a:t>unknown</a:t>
-            </a:r>
-            <a:r>
-              <a:rPr/>
-              <a:t> </a:t>
-            </a:r>
-            <a:r>
-              <a:rPr/>
-              <a:t>gender</a:t>
-            </a:r>
-            <a:r>
-              <a:rPr/>
-              <a:t> </a:t>
-            </a:r>
-            <a:r>
-              <a:rPr/>
-              <a:t>trend</a:t>
-            </a:r>
-            <a:r>
-              <a:rPr/>
-              <a:t> </a:t>
-            </a:r>
-            <a:r>
-              <a:rPr/>
-              <a:t>assuming</a:t>
-            </a:r>
-            <a:r>
-              <a:rPr/>
-              <a:t> </a:t>
-            </a:r>
-            <a:r>
-              <a:rPr/>
-              <a:t>them</a:t>
-            </a:r>
-            <a:r>
-              <a:rPr/>
-              <a:t> </a:t>
-            </a:r>
-            <a:r>
-              <a:rPr/>
-              <a:t>as</a:t>
-            </a:r>
-            <a:r>
-              <a:rPr/>
-              <a:t> </a:t>
-            </a:r>
-            <a:r>
-              <a:rPr/>
-              <a:t>foreign</a:t>
-            </a:r>
-            <a:r>
-              <a:rPr/>
-              <a:t> </a:t>
-            </a:r>
-            <a:r>
-              <a:rPr/>
-              <a:t>authors</a:t>
-            </a:r>
-            <a:r>
-              <a:rPr/>
-              <a:t> </a:t>
-            </a:r>
-            <a:r>
-              <a:rPr/>
-              <a:t>whose</a:t>
-            </a:r>
-            <a:r>
-              <a:rPr/>
-              <a:t> </a:t>
-            </a:r>
-            <a:r>
-              <a:rPr/>
-              <a:t>name</a:t>
-            </a:r>
-            <a:r>
-              <a:rPr/>
-              <a:t> </a:t>
-            </a:r>
-            <a:r>
-              <a:rPr/>
-              <a:t>not</a:t>
-            </a:r>
-            <a:r>
-              <a:rPr/>
-              <a:t> </a:t>
-            </a:r>
-            <a:r>
-              <a:rPr/>
-              <a:t>in</a:t>
-            </a:r>
-            <a:r>
-              <a:rPr/>
-              <a:t> </a:t>
-            </a:r>
-            <a:r>
-              <a:rPr/>
-              <a:t>the</a:t>
-            </a:r>
-            <a:r>
-              <a:rPr/>
-              <a:t> </a:t>
-            </a:r>
-            <a:r>
-              <a:rPr/>
-              <a:t>social</a:t>
-            </a:r>
-            <a:r>
-              <a:rPr/>
-              <a:t> </a:t>
-            </a:r>
-            <a:r>
-              <a:rPr/>
-              <a:t>security</a:t>
-            </a:r>
-            <a:r>
-              <a:rPr/>
-              <a:t> </a:t>
-            </a:r>
-            <a:r>
-              <a:rPr/>
-              <a:t>dataset</a:t>
+              <a:t>Read author names on Children’s Picture Books and get their gender</a:t>
             </a:r>
           </a:p>
         </p:txBody>
@@ -4586,86 +4777,737 @@
         </p:nvSpPr>
         <p:spPr/>
         <p:txBody>
-          <a:bodyPr/>
-          <a:lstStyle/>
-          <a:p>
-            <a:pPr lvl="1"/>
-            <a:r>
-              <a:rPr/>
-              <a:t>Importing matplotlib</a:t>
-            </a:r>
-          </a:p>
-          <a:p>
-            <a:pPr lvl="0" marL="1270000" indent="0">
+          <a:bodyPr>
+            <a:normAutofit fontScale="25000" lnSpcReduction="20000"/>
+          </a:bodyPr>
+          <a:lstStyle/>
+          <a:p>
+            <a:pPr marL="0" lvl="0" indent="0">
+              <a:spcBef>
+                <a:spcPts val="3000"/>
+              </a:spcBef>
               <a:buNone/>
             </a:pPr>
             <a:r>
-              <a:rPr sz="1800">
-                <a:latin typeface="Courier"/>
-              </a:rPr>
-              <a:t>import matplotlib.pyplot as plt</a:t>
-            </a:r>
-          </a:p>
-          <a:p>
-            <a:pPr lvl="1"/>
-            <a:r>
-              <a:rPr/>
-              <a:t>This makes plots appear in the notebook</a:t>
-            </a:r>
-          </a:p>
-          <a:p>
-            <a:pPr lvl="0" marL="1270000" indent="0">
+              <a:rPr b="1" dirty="0"/>
+              <a:t>Extract the gender information from Social Security </a:t>
+            </a:r>
+            <a:r>
+              <a:rPr b="1" dirty="0" err="1"/>
+              <a:t>Administartion</a:t>
+            </a:r>
+            <a:r>
+              <a:rPr b="1" dirty="0"/>
+              <a:t> baby name data</a:t>
+            </a:r>
+          </a:p>
+          <a:p>
+            <a:pPr lvl="2"/>
+            <a:r>
+              <a:rPr dirty="0"/>
+              <a:t>Reading in datasets/babynames_nysiis.csv, which is semicolon delimited</a:t>
+            </a:r>
+          </a:p>
+          <a:p>
+            <a:pPr marL="1270000" lvl="0" indent="0">
               <a:buNone/>
             </a:pPr>
             <a:r>
-              <a:rPr sz="1800">
-                <a:latin typeface="Courier"/>
-              </a:rPr>
-              <a:t>%matplotlib inline</a:t>
-            </a:r>
-          </a:p>
-          <a:p>
-            <a:pPr lvl="1"/>
-            <a:r>
-              <a:rPr/>
-              <a:t>Plotting the bar chart</a:t>
-            </a:r>
-          </a:p>
-          <a:p>
-            <a:pPr lvl="0" marL="1270000" indent="0">
+              <a:rPr sz="1800" dirty="0" err="1">
+                <a:latin typeface="Courier"/>
+              </a:rPr>
+              <a:t>babies_df</a:t>
+            </a:r>
+            <a:r>
+              <a:rPr sz="1800" dirty="0">
+                <a:latin typeface="Courier"/>
+              </a:rPr>
+              <a:t> = </a:t>
+            </a:r>
+            <a:r>
+              <a:rPr sz="1800" dirty="0" err="1">
+                <a:latin typeface="Courier"/>
+              </a:rPr>
+              <a:t>pd.read_csv</a:t>
+            </a:r>
+            <a:r>
+              <a:rPr sz="1800" dirty="0">
+                <a:latin typeface="Courier"/>
+              </a:rPr>
+              <a:t>('datasets/babynames_nysiis.csv', </a:t>
+            </a:r>
+            <a:r>
+              <a:rPr sz="1800" dirty="0" err="1">
+                <a:latin typeface="Courier"/>
+              </a:rPr>
+              <a:t>sep</a:t>
+            </a:r>
+            <a:r>
+              <a:rPr sz="1800" dirty="0">
+                <a:latin typeface="Courier"/>
+              </a:rPr>
+              <a:t>=';')</a:t>
+            </a:r>
+          </a:p>
+          <a:p>
+            <a:pPr lvl="2"/>
+            <a:r>
+              <a:rPr dirty="0"/>
+              <a:t>Looping through </a:t>
+            </a:r>
+            <a:r>
+              <a:rPr dirty="0" err="1"/>
+              <a:t>babies_df</a:t>
+            </a:r>
+            <a:r>
+              <a:rPr dirty="0"/>
+              <a:t> to and filling up gender</a:t>
+            </a:r>
+          </a:p>
+          <a:p>
+            <a:pPr marL="1270000" lvl="0" indent="0">
               <a:buNone/>
             </a:pPr>
             <a:r>
-              <a:rPr sz="1800">
-                <a:latin typeface="Courier"/>
-              </a:rPr>
-              <a:t>fig = plt.figure()
-plt.bar(years,unknown_by_yr)</a:t>
-            </a:r>
-          </a:p>
-          <a:p>
-            <a:pPr lvl="1"/>
-            <a:r>
-              <a:rPr/>
-              <a:t>[OPTIONAL] - Setting a title, and axes label</a:t>
-            </a:r>
-          </a:p>
-          <a:p>
-            <a:pPr lvl="0" marL="1270000" indent="0">
+              <a:rPr sz="1800" dirty="0">
+                <a:latin typeface="Courier"/>
+              </a:rPr>
+              <a:t>gender = []
+</a:t>
+            </a:r>
+            <a:r>
+              <a:rPr sz="1800" dirty="0" err="1">
+                <a:latin typeface="Courier"/>
+              </a:rPr>
+              <a:t>num</a:t>
+            </a:r>
+            <a:r>
+              <a:rPr sz="1800" dirty="0">
+                <a:latin typeface="Courier"/>
+              </a:rPr>
+              <a:t> = 0
+for name in </a:t>
+            </a:r>
+            <a:r>
+              <a:rPr sz="1800" dirty="0" err="1">
+                <a:latin typeface="Courier"/>
+              </a:rPr>
+              <a:t>babies_df</a:t>
+            </a:r>
+            <a:r>
+              <a:rPr sz="1800" dirty="0">
+                <a:latin typeface="Courier"/>
+              </a:rPr>
+              <a:t>['</a:t>
+            </a:r>
+            <a:r>
+              <a:rPr sz="1800" dirty="0" err="1">
+                <a:latin typeface="Courier"/>
+              </a:rPr>
+              <a:t>babynysiis</a:t>
+            </a:r>
+            <a:r>
+              <a:rPr sz="1800" dirty="0">
+                <a:latin typeface="Courier"/>
+              </a:rPr>
+              <a:t>']:
+        if(babies_df.at[</a:t>
+            </a:r>
+            <a:r>
+              <a:rPr sz="1800" dirty="0" err="1">
+                <a:latin typeface="Courier"/>
+              </a:rPr>
+              <a:t>num</a:t>
+            </a:r>
+            <a:r>
+              <a:rPr sz="1800" dirty="0">
+                <a:latin typeface="Courier"/>
+              </a:rPr>
+              <a:t>,'</a:t>
+            </a:r>
+            <a:r>
+              <a:rPr sz="1800" dirty="0" err="1">
+                <a:latin typeface="Courier"/>
+              </a:rPr>
+              <a:t>perc_female</a:t>
+            </a:r>
+            <a:r>
+              <a:rPr sz="1800" dirty="0">
+                <a:latin typeface="Courier"/>
+              </a:rPr>
+              <a:t>']&gt;babies_df.at[</a:t>
+            </a:r>
+            <a:r>
+              <a:rPr sz="1800" dirty="0" err="1">
+                <a:latin typeface="Courier"/>
+              </a:rPr>
+              <a:t>num</a:t>
+            </a:r>
+            <a:r>
+              <a:rPr sz="1800" dirty="0">
+                <a:latin typeface="Courier"/>
+              </a:rPr>
+              <a:t>,'</a:t>
+            </a:r>
+            <a:r>
+              <a:rPr sz="1800" dirty="0" err="1">
+                <a:latin typeface="Courier"/>
+              </a:rPr>
+              <a:t>perc_male</a:t>
+            </a:r>
+            <a:r>
+              <a:rPr sz="1800" dirty="0">
+                <a:latin typeface="Courier"/>
+              </a:rPr>
+              <a:t>']):
+                </a:t>
+            </a:r>
+            <a:r>
+              <a:rPr sz="1800" dirty="0" err="1">
+                <a:latin typeface="Courier"/>
+              </a:rPr>
+              <a:t>gender.append</a:t>
+            </a:r>
+            <a:r>
+              <a:rPr sz="1800" dirty="0">
+                <a:latin typeface="Courier"/>
+              </a:rPr>
+              <a:t>('F')
+        </a:t>
+            </a:r>
+            <a:r>
+              <a:rPr sz="1800" dirty="0" err="1">
+                <a:latin typeface="Courier"/>
+              </a:rPr>
+              <a:t>elif</a:t>
+            </a:r>
+            <a:r>
+              <a:rPr sz="1800" dirty="0">
+                <a:latin typeface="Courier"/>
+              </a:rPr>
+              <a:t>(babies_df.at[</a:t>
+            </a:r>
+            <a:r>
+              <a:rPr sz="1800" dirty="0" err="1">
+                <a:latin typeface="Courier"/>
+              </a:rPr>
+              <a:t>num</a:t>
+            </a:r>
+            <a:r>
+              <a:rPr sz="1800" dirty="0">
+                <a:latin typeface="Courier"/>
+              </a:rPr>
+              <a:t>,'</a:t>
+            </a:r>
+            <a:r>
+              <a:rPr sz="1800" dirty="0" err="1">
+                <a:latin typeface="Courier"/>
+              </a:rPr>
+              <a:t>perc_female</a:t>
+            </a:r>
+            <a:r>
+              <a:rPr sz="1800" dirty="0">
+                <a:latin typeface="Courier"/>
+              </a:rPr>
+              <a:t>']&lt;babies_df.at[</a:t>
+            </a:r>
+            <a:r>
+              <a:rPr sz="1800" dirty="0" err="1">
+                <a:latin typeface="Courier"/>
+              </a:rPr>
+              <a:t>num</a:t>
+            </a:r>
+            <a:r>
+              <a:rPr sz="1800" dirty="0">
+                <a:latin typeface="Courier"/>
+              </a:rPr>
+              <a:t>,'</a:t>
+            </a:r>
+            <a:r>
+              <a:rPr sz="1800" dirty="0" err="1">
+                <a:latin typeface="Courier"/>
+              </a:rPr>
+              <a:t>perc_male</a:t>
+            </a:r>
+            <a:r>
+              <a:rPr sz="1800" dirty="0">
+                <a:latin typeface="Courier"/>
+              </a:rPr>
+              <a:t>']):
+                </a:t>
+            </a:r>
+            <a:r>
+              <a:rPr sz="1800" dirty="0" err="1">
+                <a:latin typeface="Courier"/>
+              </a:rPr>
+              <a:t>gender.append</a:t>
+            </a:r>
+            <a:r>
+              <a:rPr sz="1800" dirty="0">
+                <a:latin typeface="Courier"/>
+              </a:rPr>
+              <a:t>('M')
+        else:
+                </a:t>
+            </a:r>
+            <a:r>
+              <a:rPr sz="1800" dirty="0" err="1">
+                <a:latin typeface="Courier"/>
+              </a:rPr>
+              <a:t>gender.append</a:t>
+            </a:r>
+            <a:r>
+              <a:rPr sz="1800" dirty="0">
+                <a:latin typeface="Courier"/>
+              </a:rPr>
+              <a:t>('N')
+        </a:t>
+            </a:r>
+            <a:r>
+              <a:rPr sz="1800" dirty="0" err="1">
+                <a:latin typeface="Courier"/>
+              </a:rPr>
+              <a:t>num</a:t>
+            </a:r>
+            <a:r>
+              <a:rPr sz="1800" dirty="0">
+                <a:latin typeface="Courier"/>
+              </a:rPr>
+              <a:t> = num+1</a:t>
+            </a:r>
+          </a:p>
+          <a:p>
+            <a:pPr lvl="2"/>
+            <a:r>
+              <a:rPr dirty="0"/>
+              <a:t>Adding a gender column to </a:t>
+            </a:r>
+            <a:r>
+              <a:rPr dirty="0" err="1"/>
+              <a:t>babies_df</a:t>
+            </a:r>
+            <a:endParaRPr dirty="0"/>
+          </a:p>
+          <a:p>
+            <a:pPr lvl="2">
               <a:buNone/>
             </a:pPr>
             <a:r>
-              <a:rPr sz="1800">
-                <a:latin typeface="Courier"/>
-              </a:rPr>
-              <a:t>fig.suptitle('Unknown author by year')
-plt.show()</a:t>
+              <a:rPr dirty="0" err="1"/>
+              <a:t>babies_df</a:t>
+            </a:r>
+            <a:r>
+              <a:rPr dirty="0"/>
+              <a:t>[] = gender</a:t>
+            </a:r>
+          </a:p>
+          <a:p>
+            <a:pPr lvl="2"/>
+            <a:r>
+              <a:rPr dirty="0"/>
+              <a:t>It has information on the percentage of times the name appeared as a female name and the percentage of times it appeared as a male name</a:t>
+            </a:r>
+          </a:p>
+          <a:p>
+            <a:pPr marL="0" lvl="0" indent="0">
+              <a:spcBef>
+                <a:spcPts val="3000"/>
+              </a:spcBef>
+              <a:buNone/>
+            </a:pPr>
+            <a:r>
+              <a:rPr b="1" dirty="0"/>
+              <a:t>Match the baby names to the author first names and get the author gender</a:t>
+            </a:r>
+          </a:p>
+          <a:p>
+            <a:pPr lvl="2"/>
+            <a:r>
+              <a:rPr dirty="0"/>
+              <a:t>This function returns the location of an element in </a:t>
+            </a:r>
+            <a:r>
+              <a:rPr dirty="0" err="1"/>
+              <a:t>a_list</a:t>
+            </a:r>
+            <a:r>
+              <a:rPr dirty="0"/>
+              <a:t>. Where an item does not exist, it returns -1</a:t>
+            </a:r>
+          </a:p>
+          <a:p>
+            <a:pPr marL="1270000" lvl="0" indent="0">
+              <a:buNone/>
+            </a:pPr>
+            <a:r>
+              <a:rPr sz="1800" dirty="0">
+                <a:latin typeface="Courier"/>
+              </a:rPr>
+              <a:t>def </a:t>
+            </a:r>
+            <a:r>
+              <a:rPr sz="1800" dirty="0" err="1">
+                <a:latin typeface="Courier"/>
+              </a:rPr>
+              <a:t>locate_in_list</a:t>
+            </a:r>
+            <a:r>
+              <a:rPr sz="1800" dirty="0">
+                <a:latin typeface="Courier"/>
+              </a:rPr>
+              <a:t>(</a:t>
+            </a:r>
+            <a:r>
+              <a:rPr sz="1800" dirty="0" err="1">
+                <a:latin typeface="Courier"/>
+              </a:rPr>
+              <a:t>a_list</a:t>
+            </a:r>
+            <a:r>
+              <a:rPr sz="1800" dirty="0">
+                <a:latin typeface="Courier"/>
+              </a:rPr>
+              <a:t>, element):
+</a:t>
+            </a:r>
+            <a:r>
+              <a:rPr sz="1800" dirty="0" err="1">
+                <a:latin typeface="Courier"/>
+              </a:rPr>
+              <a:t>loc_of_name</a:t>
+            </a:r>
+            <a:r>
+              <a:rPr sz="1800" dirty="0">
+                <a:latin typeface="Courier"/>
+              </a:rPr>
+              <a:t> = </a:t>
+            </a:r>
+            <a:r>
+              <a:rPr sz="1800" dirty="0" err="1">
+                <a:latin typeface="Courier"/>
+              </a:rPr>
+              <a:t>a_list.index</a:t>
+            </a:r>
+            <a:r>
+              <a:rPr sz="1800" dirty="0">
+                <a:latin typeface="Courier"/>
+              </a:rPr>
+              <a:t>(element) if element in </a:t>
+            </a:r>
+            <a:r>
+              <a:rPr sz="1800" dirty="0" err="1">
+                <a:latin typeface="Courier"/>
+              </a:rPr>
+              <a:t>a_list</a:t>
+            </a:r>
+            <a:r>
+              <a:rPr sz="1800" dirty="0">
+                <a:latin typeface="Courier"/>
+              </a:rPr>
+              <a:t> else -1
+return(</a:t>
+            </a:r>
+            <a:r>
+              <a:rPr sz="1800" dirty="0" err="1">
+                <a:latin typeface="Courier"/>
+              </a:rPr>
+              <a:t>loc_of_name</a:t>
+            </a:r>
+            <a:r>
+              <a:rPr sz="1800" dirty="0">
+                <a:latin typeface="Courier"/>
+              </a:rPr>
+              <a:t>)</a:t>
+            </a:r>
+          </a:p>
+          <a:p>
+            <a:pPr lvl="2"/>
+            <a:r>
+              <a:rPr dirty="0"/>
+              <a:t>Looping through </a:t>
+            </a:r>
+            <a:r>
+              <a:rPr dirty="0" err="1"/>
+              <a:t>author_df</a:t>
+            </a:r>
+            <a:r>
+              <a:rPr dirty="0"/>
+              <a:t>[] and appending the gender of each. Author to </a:t>
+            </a:r>
+            <a:r>
+              <a:rPr dirty="0" err="1"/>
+              <a:t>author_gender</a:t>
+            </a:r>
+            <a:endParaRPr dirty="0"/>
+          </a:p>
+          <a:p>
+            <a:pPr marL="1270000" lvl="0" indent="0">
+              <a:buNone/>
+            </a:pPr>
+            <a:r>
+              <a:rPr sz="1800" dirty="0" err="1">
+                <a:latin typeface="Courier"/>
+              </a:rPr>
+              <a:t>author_gender</a:t>
+            </a:r>
+            <a:r>
+              <a:rPr sz="1800" dirty="0">
+                <a:latin typeface="Courier"/>
+              </a:rPr>
+              <a:t> = []
+for name in </a:t>
+            </a:r>
+            <a:r>
+              <a:rPr sz="1800" dirty="0" err="1">
+                <a:latin typeface="Courier"/>
+              </a:rPr>
+              <a:t>author_df</a:t>
+            </a:r>
+            <a:r>
+              <a:rPr sz="1800" dirty="0">
+                <a:latin typeface="Courier"/>
+              </a:rPr>
+              <a:t>['</a:t>
+            </a:r>
+            <a:r>
+              <a:rPr sz="1800" dirty="0" err="1">
+                <a:latin typeface="Courier"/>
+              </a:rPr>
+              <a:t>nysiis_name</a:t>
+            </a:r>
+            <a:r>
+              <a:rPr sz="1800" dirty="0">
+                <a:latin typeface="Courier"/>
+              </a:rPr>
+              <a:t>']:
+        </a:t>
+            </a:r>
+            <a:r>
+              <a:rPr sz="1800" dirty="0" err="1">
+                <a:latin typeface="Courier"/>
+              </a:rPr>
+              <a:t>index_loc</a:t>
+            </a:r>
+            <a:r>
+              <a:rPr sz="1800" dirty="0">
+                <a:latin typeface="Courier"/>
+              </a:rPr>
+              <a:t> = </a:t>
+            </a:r>
+            <a:r>
+              <a:rPr sz="1800" dirty="0" err="1">
+                <a:latin typeface="Courier"/>
+              </a:rPr>
+              <a:t>locate_in_list</a:t>
+            </a:r>
+            <a:r>
+              <a:rPr sz="1800" dirty="0">
+                <a:latin typeface="Courier"/>
+              </a:rPr>
+              <a:t>(</a:t>
+            </a:r>
+            <a:r>
+              <a:rPr sz="1800" dirty="0" err="1">
+                <a:latin typeface="Courier"/>
+              </a:rPr>
+              <a:t>babies_df</a:t>
+            </a:r>
+            <a:r>
+              <a:rPr sz="1800" dirty="0">
+                <a:latin typeface="Courier"/>
+              </a:rPr>
+              <a:t>['</a:t>
+            </a:r>
+            <a:r>
+              <a:rPr sz="1800" dirty="0" err="1">
+                <a:latin typeface="Courier"/>
+              </a:rPr>
+              <a:t>babynysiis</a:t>
+            </a:r>
+            <a:r>
+              <a:rPr sz="1800" dirty="0">
+                <a:latin typeface="Courier"/>
+              </a:rPr>
+              <a:t>'].</a:t>
+            </a:r>
+            <a:r>
+              <a:rPr sz="1800" dirty="0" err="1">
+                <a:latin typeface="Courier"/>
+              </a:rPr>
+              <a:t>tolist</a:t>
+            </a:r>
+            <a:r>
+              <a:rPr sz="1800" dirty="0">
+                <a:latin typeface="Courier"/>
+              </a:rPr>
+              <a:t>(), name)
+        if(</a:t>
+            </a:r>
+            <a:r>
+              <a:rPr sz="1800" dirty="0" err="1">
+                <a:latin typeface="Courier"/>
+              </a:rPr>
+              <a:t>index_loc</a:t>
+            </a:r>
+            <a:r>
+              <a:rPr sz="1800" dirty="0">
+                <a:latin typeface="Courier"/>
+              </a:rPr>
+              <a:t> == -1):
+                gender = 'Unknown'
+        else:
+                gender = babies_df.at[</a:t>
+            </a:r>
+            <a:r>
+              <a:rPr sz="1800" dirty="0" err="1">
+                <a:latin typeface="Courier"/>
+              </a:rPr>
+              <a:t>index_loc</a:t>
+            </a:r>
+            <a:r>
+              <a:rPr sz="1800" dirty="0">
+                <a:latin typeface="Courier"/>
+              </a:rPr>
+              <a:t>, 'gender']
+        </a:t>
+            </a:r>
+            <a:r>
+              <a:rPr sz="1800" dirty="0" err="1">
+                <a:latin typeface="Courier"/>
+              </a:rPr>
+              <a:t>author_gender.append</a:t>
+            </a:r>
+            <a:r>
+              <a:rPr sz="1800" dirty="0">
+                <a:latin typeface="Courier"/>
+              </a:rPr>
+              <a:t>(gender)</a:t>
+            </a:r>
+          </a:p>
+          <a:p>
+            <a:pPr lvl="2"/>
+            <a:r>
+              <a:rPr dirty="0"/>
+              <a:t>Adding </a:t>
+            </a:r>
+            <a:r>
+              <a:rPr dirty="0" err="1"/>
+              <a:t>author_gender</a:t>
+            </a:r>
+            <a:r>
+              <a:rPr dirty="0"/>
+              <a:t> to the </a:t>
+            </a:r>
+            <a:r>
+              <a:rPr dirty="0" err="1"/>
+              <a:t>author_df</a:t>
+            </a:r>
+            <a:endParaRPr dirty="0"/>
+          </a:p>
+          <a:p>
+            <a:pPr marL="1270000" lvl="0" indent="0">
+              <a:buNone/>
+            </a:pPr>
+            <a:r>
+              <a:rPr sz="1800" dirty="0" err="1">
+                <a:latin typeface="Courier"/>
+              </a:rPr>
+              <a:t>author_df</a:t>
+            </a:r>
+            <a:r>
+              <a:rPr sz="1800" dirty="0">
+                <a:latin typeface="Courier"/>
+              </a:rPr>
+              <a:t>['</a:t>
+            </a:r>
+            <a:r>
+              <a:rPr sz="1800" dirty="0" err="1">
+                <a:latin typeface="Courier"/>
+              </a:rPr>
+              <a:t>author_gender</a:t>
+            </a:r>
+            <a:r>
+              <a:rPr sz="1800" dirty="0">
+                <a:latin typeface="Courier"/>
+              </a:rPr>
+              <a:t>'] = </a:t>
+            </a:r>
+            <a:r>
+              <a:rPr sz="1800" dirty="0" err="1">
+                <a:latin typeface="Courier"/>
+              </a:rPr>
+              <a:t>author_gender</a:t>
+            </a:r>
+            <a:endParaRPr sz="1800" dirty="0">
+              <a:latin typeface="Courier"/>
+            </a:endParaRPr>
+          </a:p>
+          <a:p>
+            <a:pPr lvl="2"/>
+            <a:r>
+              <a:rPr dirty="0"/>
+              <a:t>Counting the author’s genders</a:t>
+            </a:r>
+          </a:p>
+          <a:p>
+            <a:pPr marL="1270000" lvl="0" indent="0">
+              <a:buNone/>
+            </a:pPr>
+            <a:r>
+              <a:rPr sz="1800" dirty="0" err="1">
+                <a:latin typeface="Courier"/>
+              </a:rPr>
+              <a:t>author_df</a:t>
+            </a:r>
+            <a:r>
+              <a:rPr sz="1800" dirty="0">
+                <a:latin typeface="Courier"/>
+              </a:rPr>
+              <a:t>['</a:t>
+            </a:r>
+            <a:r>
+              <a:rPr sz="1800" dirty="0" err="1">
+                <a:latin typeface="Courier"/>
+              </a:rPr>
+              <a:t>author_gender</a:t>
+            </a:r>
+            <a:r>
+              <a:rPr sz="1800" dirty="0">
+                <a:latin typeface="Courier"/>
+              </a:rPr>
+              <a:t>'].</a:t>
+            </a:r>
+            <a:r>
+              <a:rPr sz="1800" dirty="0" err="1">
+                <a:latin typeface="Courier"/>
+              </a:rPr>
+              <a:t>value_counts</a:t>
+            </a:r>
+            <a:r>
+              <a:rPr sz="1800" dirty="0">
+                <a:latin typeface="Courier"/>
+              </a:rPr>
+              <a:t>()
+F          395
+M          191
+Unknown      9
+N            8</a:t>
+            </a:r>
+          </a:p>
+          <a:p>
+            <a:pPr lvl="3"/>
+            <a:r>
+              <a:rPr dirty="0"/>
+              <a:t>Based on the counts we have more female authors on the New York Times best seller’s list than male authors</a:t>
             </a:r>
           </a:p>
         </p:txBody>
       </p:sp>
     </p:spTree>
   </p:cSld>
+  <p:clrMapOvr>
+    <a:masterClrMapping/>
+  </p:clrMapOvr>
 </p:sld>
 </file>
 
@@ -4686,76 +5528,423 @@
           <a:chExt cx="0" cy="0"/>
         </a:xfrm>
       </p:grpSpPr>
-      <p:pic>
-        <p:nvPicPr>
-          <p:cNvPr descr="https://github.com/mbihan/biof309_spring2018_project1/tree/master/Name_Game__Gender_Prediction_using_Sound/img/yearBar.png" id="0" name="Picture 1"/>
-          <p:cNvPicPr>
-            <a:picLocks noGrp="1" noChangeAspect="1"/>
-          </p:cNvPicPr>
-          <p:nvPr/>
-        </p:nvPicPr>
-        <p:blipFill>
-          <a:blip r:embed="rId2"/>
-          <a:stretch>
-            <a:fillRect/>
-          </a:stretch>
-        </p:blipFill>
-        <p:spPr bwMode="auto">
-          <a:xfrm>
-            <a:off x="1562100" y="1600200"/>
-            <a:ext cx="6019800" cy="4013200"/>
-          </a:xfrm>
-          <a:prstGeom prst="rect">
-            <a:avLst/>
-          </a:prstGeom>
-          <a:noFill/>
-          <a:ln w="9525">
-            <a:noFill/>
-            <a:headEnd/>
-            <a:tailEnd/>
-          </a:ln>
-        </p:spPr>
-      </p:pic>
-      <p:sp>
-        <p:nvSpPr>
-          <p:cNvPr id="1" name="TextBox 3"/>
-          <p:cNvSpPr txBox="1"/>
-          <p:nvPr/>
+      <p:sp>
+        <p:nvSpPr>
+          <p:cNvPr id="2" name="Title 1"/>
+          <p:cNvSpPr>
+            <a:spLocks noGrp="1"/>
+          </p:cNvSpPr>
+          <p:nvPr>
+            <p:ph type="title"/>
+          </p:nvPr>
+        </p:nvSpPr>
+        <p:spPr/>
+        <p:txBody>
+          <a:bodyPr>
+            <a:normAutofit fontScale="90000"/>
+          </a:bodyPr>
+          <a:lstStyle/>
+          <a:p>
+            <a:pPr marL="0" lvl="0" indent="0">
+              <a:buNone/>
+            </a:pPr>
+            <a:r>
+              <a:rPr dirty="0"/>
+              <a:t>Analyze author gender distribution over time</a:t>
+            </a:r>
+          </a:p>
+        </p:txBody>
+      </p:sp>
+      <p:sp>
+        <p:nvSpPr>
+          <p:cNvPr id="3" name="Content Placeholder 2"/>
+          <p:cNvSpPr>
+            <a:spLocks noGrp="1"/>
+          </p:cNvSpPr>
+          <p:nvPr>
+            <p:ph idx="1"/>
+          </p:nvPr>
         </p:nvSpPr>
         <p:spPr>
           <a:xfrm>
-            <a:off x="457200" y="5613400"/>
-            <a:ext cx="8229600" cy="508000"/>
+            <a:off x="457200" y="1928813"/>
+            <a:ext cx="8229600" cy="4525963"/>
           </a:xfrm>
-          <a:prstGeom prst="rect">
-            <a:avLst/>
-          </a:prstGeom>
-          <a:noFill/>
         </p:spPr>
         <p:txBody>
-          <a:bodyPr/>
-          <a:lstStyle/>
-          <a:p>
-            <a:pPr lvl="0" marL="0" indent="0" algn="ctr">
+          <a:bodyPr>
+            <a:normAutofit fontScale="70000" lnSpcReduction="20000"/>
+          </a:bodyPr>
+          <a:lstStyle/>
+          <a:p>
+            <a:pPr lvl="1"/>
+            <a:r>
+              <a:rPr dirty="0"/>
+              <a:t>Find number of male and female authors per year</a:t>
+            </a:r>
+          </a:p>
+          <a:p>
+            <a:pPr lvl="1"/>
+            <a:r>
+              <a:rPr dirty="0"/>
+              <a:t>Examine the changes over time</a:t>
+            </a:r>
+          </a:p>
+          <a:p>
+            <a:pPr lvl="1"/>
+            <a:r>
+              <a:rPr dirty="0"/>
+              <a:t>Creating a list of unique years, sorted in ascending order</a:t>
+            </a:r>
+          </a:p>
+          <a:p>
+            <a:pPr marL="1270000" lvl="0" indent="0">
               <a:buNone/>
             </a:pPr>
             <a:r>
-              <a:rPr/>
-              <a:t>alt</a:t>
-            </a:r>
-            <a:r>
-              <a:rPr/>
+              <a:rPr sz="1800" dirty="0">
+                <a:latin typeface="Courier"/>
+              </a:rPr>
+              <a:t> years = list(</a:t>
+            </a:r>
+            <a:r>
+              <a:rPr sz="1800" dirty="0" err="1">
+                <a:latin typeface="Courier"/>
+              </a:rPr>
+              <a:t>author_df</a:t>
+            </a:r>
+            <a:r>
+              <a:rPr sz="1800" dirty="0">
+                <a:latin typeface="Courier"/>
+              </a:rPr>
+              <a:t>['Year'].unique())
+ </a:t>
+            </a:r>
+            <a:r>
+              <a:rPr sz="1800" dirty="0" err="1">
+                <a:latin typeface="Courier"/>
+              </a:rPr>
+              <a:t>years.sort</a:t>
+            </a:r>
+            <a:r>
+              <a:rPr sz="1800" dirty="0">
+                <a:latin typeface="Courier"/>
+              </a:rPr>
+              <a:t>(key=</a:t>
+            </a:r>
+            <a:r>
+              <a:rPr sz="1800" dirty="0" err="1">
+                <a:latin typeface="Courier"/>
+              </a:rPr>
+              <a:t>int</a:t>
+            </a:r>
+            <a:r>
+              <a:rPr sz="1800" dirty="0">
+                <a:latin typeface="Courier"/>
+              </a:rPr>
+              <a:t>)</a:t>
+            </a:r>
+          </a:p>
+          <a:p>
+            <a:pPr lvl="1"/>
+            <a:r>
+              <a:rPr dirty="0"/>
+              <a:t>Initializing lists</a:t>
+            </a:r>
+          </a:p>
+          <a:p>
+            <a:pPr marL="1270000" lvl="0" indent="0">
+              <a:buNone/>
+            </a:pPr>
+            <a:r>
+              <a:rPr sz="1800" dirty="0">
+                <a:latin typeface="Courier"/>
+              </a:rPr>
               <a:t> </a:t>
             </a:r>
             <a:r>
-              <a:rPr/>
-              <a:t>text</a:t>
+              <a:rPr sz="1800" dirty="0" err="1">
+                <a:latin typeface="Courier"/>
+              </a:rPr>
+              <a:t>males_by_yr</a:t>
+            </a:r>
+            <a:r>
+              <a:rPr sz="1800" dirty="0">
+                <a:latin typeface="Courier"/>
+              </a:rPr>
+              <a:t> = []
+ </a:t>
+            </a:r>
+            <a:r>
+              <a:rPr sz="1800" dirty="0" err="1">
+                <a:latin typeface="Courier"/>
+              </a:rPr>
+              <a:t>females_by_yr</a:t>
+            </a:r>
+            <a:r>
+              <a:rPr sz="1800" dirty="0">
+                <a:latin typeface="Courier"/>
+              </a:rPr>
+              <a:t> = []
+ </a:t>
+            </a:r>
+            <a:r>
+              <a:rPr sz="1800" dirty="0" err="1">
+                <a:latin typeface="Courier"/>
+              </a:rPr>
+              <a:t>unknown_by_yr</a:t>
+            </a:r>
+            <a:r>
+              <a:rPr sz="1800" dirty="0">
+                <a:latin typeface="Courier"/>
+              </a:rPr>
+              <a:t> = []</a:t>
+            </a:r>
+          </a:p>
+          <a:p>
+            <a:pPr lvl="1"/>
+            <a:r>
+              <a:rPr dirty="0"/>
+              <a:t>Looping through years to find the number of male, female and unknown authors per year</a:t>
+            </a:r>
+          </a:p>
+          <a:p>
+            <a:pPr marL="1270000" lvl="0" indent="0">
+              <a:buNone/>
+            </a:pPr>
+            <a:r>
+              <a:rPr sz="1800" dirty="0">
+                <a:latin typeface="Courier"/>
+              </a:rPr>
+              <a:t> for year in years:
+         </a:t>
+            </a:r>
+            <a:r>
+              <a:rPr sz="1800" dirty="0" err="1">
+                <a:latin typeface="Courier"/>
+              </a:rPr>
+              <a:t>males_by_yr.append</a:t>
+            </a:r>
+            <a:r>
+              <a:rPr sz="1800" dirty="0">
+                <a:latin typeface="Courier"/>
+              </a:rPr>
+              <a:t>(</a:t>
+            </a:r>
+            <a:r>
+              <a:rPr sz="1800" dirty="0" err="1">
+                <a:latin typeface="Courier"/>
+              </a:rPr>
+              <a:t>len</a:t>
+            </a:r>
+            <a:r>
+              <a:rPr sz="1800" dirty="0">
+                <a:latin typeface="Courier"/>
+              </a:rPr>
+              <a:t>(</a:t>
+            </a:r>
+            <a:r>
+              <a:rPr sz="1800" dirty="0" err="1">
+                <a:latin typeface="Courier"/>
+              </a:rPr>
+              <a:t>author_df.loc</a:t>
+            </a:r>
+            <a:r>
+              <a:rPr sz="1800" dirty="0">
+                <a:latin typeface="Courier"/>
+              </a:rPr>
+              <a:t>[(</a:t>
+            </a:r>
+            <a:r>
+              <a:rPr sz="1800" dirty="0" err="1">
+                <a:latin typeface="Courier"/>
+              </a:rPr>
+              <a:t>author_df</a:t>
+            </a:r>
+            <a:r>
+              <a:rPr sz="1800" dirty="0">
+                <a:latin typeface="Courier"/>
+              </a:rPr>
+              <a:t>['Year'] == year) &amp; (</a:t>
+            </a:r>
+            <a:r>
+              <a:rPr sz="1800" dirty="0" err="1">
+                <a:latin typeface="Courier"/>
+              </a:rPr>
+              <a:t>author_df</a:t>
+            </a:r>
+            <a:r>
+              <a:rPr sz="1800" dirty="0">
+                <a:latin typeface="Courier"/>
+              </a:rPr>
+              <a:t>['</a:t>
+            </a:r>
+            <a:r>
+              <a:rPr sz="1800" dirty="0" err="1">
+                <a:latin typeface="Courier"/>
+              </a:rPr>
+              <a:t>author_gender</a:t>
+            </a:r>
+            <a:r>
+              <a:rPr sz="1800" dirty="0">
+                <a:latin typeface="Courier"/>
+              </a:rPr>
+              <a:t>'] == 'M')]))
+         </a:t>
+            </a:r>
+            <a:r>
+              <a:rPr sz="1800" dirty="0" err="1">
+                <a:latin typeface="Courier"/>
+              </a:rPr>
+              <a:t>females_by_yr.append</a:t>
+            </a:r>
+            <a:r>
+              <a:rPr sz="1800" dirty="0">
+                <a:latin typeface="Courier"/>
+              </a:rPr>
+              <a:t>(</a:t>
+            </a:r>
+            <a:r>
+              <a:rPr sz="1800" dirty="0" err="1">
+                <a:latin typeface="Courier"/>
+              </a:rPr>
+              <a:t>len</a:t>
+            </a:r>
+            <a:r>
+              <a:rPr sz="1800" dirty="0">
+                <a:latin typeface="Courier"/>
+              </a:rPr>
+              <a:t>(</a:t>
+            </a:r>
+            <a:r>
+              <a:rPr sz="1800" dirty="0" err="1">
+                <a:latin typeface="Courier"/>
+              </a:rPr>
+              <a:t>author_df.loc</a:t>
+            </a:r>
+            <a:r>
+              <a:rPr sz="1800" dirty="0">
+                <a:latin typeface="Courier"/>
+              </a:rPr>
+              <a:t>[(</a:t>
+            </a:r>
+            <a:r>
+              <a:rPr sz="1800" dirty="0" err="1">
+                <a:latin typeface="Courier"/>
+              </a:rPr>
+              <a:t>author_df</a:t>
+            </a:r>
+            <a:r>
+              <a:rPr sz="1800" dirty="0">
+                <a:latin typeface="Courier"/>
+              </a:rPr>
+              <a:t>['Year'] == year) &amp; (</a:t>
+            </a:r>
+            <a:r>
+              <a:rPr sz="1800" dirty="0" err="1">
+                <a:latin typeface="Courier"/>
+              </a:rPr>
+              <a:t>author_df</a:t>
+            </a:r>
+            <a:r>
+              <a:rPr sz="1800" dirty="0">
+                <a:latin typeface="Courier"/>
+              </a:rPr>
+              <a:t>['</a:t>
+            </a:r>
+            <a:r>
+              <a:rPr sz="1800" dirty="0" err="1">
+                <a:latin typeface="Courier"/>
+              </a:rPr>
+              <a:t>author_gender</a:t>
+            </a:r>
+            <a:r>
+              <a:rPr sz="1800" dirty="0">
+                <a:latin typeface="Courier"/>
+              </a:rPr>
+              <a:t>'] == 'F')]))
+         </a:t>
+            </a:r>
+            <a:r>
+              <a:rPr sz="1800" dirty="0" err="1">
+                <a:latin typeface="Courier"/>
+              </a:rPr>
+              <a:t>unknown_by_yr.append</a:t>
+            </a:r>
+            <a:r>
+              <a:rPr sz="1800" dirty="0">
+                <a:latin typeface="Courier"/>
+              </a:rPr>
+              <a:t>(</a:t>
+            </a:r>
+            <a:r>
+              <a:rPr sz="1800" dirty="0" err="1">
+                <a:latin typeface="Courier"/>
+              </a:rPr>
+              <a:t>len</a:t>
+            </a:r>
+            <a:r>
+              <a:rPr sz="1800" dirty="0">
+                <a:latin typeface="Courier"/>
+              </a:rPr>
+              <a:t>(</a:t>
+            </a:r>
+            <a:r>
+              <a:rPr sz="1800" dirty="0" err="1">
+                <a:latin typeface="Courier"/>
+              </a:rPr>
+              <a:t>author_df.loc</a:t>
+            </a:r>
+            <a:r>
+              <a:rPr sz="1800" dirty="0">
+                <a:latin typeface="Courier"/>
+              </a:rPr>
+              <a:t>[(</a:t>
+            </a:r>
+            <a:r>
+              <a:rPr sz="1800" dirty="0" err="1">
+                <a:latin typeface="Courier"/>
+              </a:rPr>
+              <a:t>author_df</a:t>
+            </a:r>
+            <a:r>
+              <a:rPr sz="1800" dirty="0">
+                <a:latin typeface="Courier"/>
+              </a:rPr>
+              <a:t>['Year'] == year) &amp; (</a:t>
+            </a:r>
+            <a:r>
+              <a:rPr sz="1800" dirty="0" err="1">
+                <a:latin typeface="Courier"/>
+              </a:rPr>
+              <a:t>author_df</a:t>
+            </a:r>
+            <a:r>
+              <a:rPr sz="1800" dirty="0">
+                <a:latin typeface="Courier"/>
+              </a:rPr>
+              <a:t>['</a:t>
+            </a:r>
+            <a:r>
+              <a:rPr sz="1800" dirty="0" err="1">
+                <a:latin typeface="Courier"/>
+              </a:rPr>
+              <a:t>author_gender</a:t>
+            </a:r>
+            <a:r>
+              <a:rPr sz="1800" dirty="0">
+                <a:latin typeface="Courier"/>
+              </a:rPr>
+              <a:t>'] == 'Unknown')]))</a:t>
             </a:r>
           </a:p>
         </p:txBody>
       </p:sp>
     </p:spTree>
   </p:cSld>
+  <p:clrMapOvr>
+    <a:masterClrMapping/>
+  </p:clrMapOvr>
 </p:sld>
 </file>
 
@@ -4786,215 +5975,220 @@
             <p:ph type="title"/>
           </p:nvPr>
         </p:nvSpPr>
-        <p:spPr/>
+        <p:spPr>
+          <a:xfrm>
+            <a:off x="357187" y="688976"/>
+            <a:ext cx="8229600" cy="1143000"/>
+          </a:xfrm>
+        </p:spPr>
+        <p:txBody>
+          <a:bodyPr>
+            <a:normAutofit fontScale="90000"/>
+          </a:bodyPr>
+          <a:lstStyle/>
+          <a:p>
+            <a:pPr marL="0" lvl="0" indent="0">
+              <a:buNone/>
+            </a:pPr>
+            <a:r>
+              <a:rPr dirty="0"/>
+              <a:t>Explore unknown gender trend assuming them as foreign authors whose name not in the social security dataset</a:t>
+            </a:r>
+          </a:p>
+        </p:txBody>
+      </p:sp>
+      <p:sp>
+        <p:nvSpPr>
+          <p:cNvPr id="3" name="Content Placeholder 2"/>
+          <p:cNvSpPr>
+            <a:spLocks noGrp="1"/>
+          </p:cNvSpPr>
+          <p:nvPr>
+            <p:ph idx="1"/>
+          </p:nvPr>
+        </p:nvSpPr>
+        <p:spPr>
+          <a:xfrm>
+            <a:off x="457200" y="2471738"/>
+            <a:ext cx="8229600" cy="4525963"/>
+          </a:xfrm>
+        </p:spPr>
         <p:txBody>
           <a:bodyPr/>
           <a:lstStyle/>
           <a:p>
-            <a:pPr lvl="0" marL="0" indent="0">
+            <a:pPr lvl="1"/>
+            <a:r>
+              <a:rPr dirty="0"/>
+              <a:t>Importing </a:t>
+            </a:r>
+            <a:r>
+              <a:rPr dirty="0" err="1"/>
+              <a:t>matplotlib</a:t>
+            </a:r>
+            <a:endParaRPr dirty="0"/>
+          </a:p>
+          <a:p>
+            <a:pPr marL="1270000" lvl="0" indent="0">
               <a:buNone/>
             </a:pPr>
             <a:r>
-              <a:rPr/>
-              <a:t>Explore</a:t>
-            </a:r>
-            <a:r>
-              <a:rPr/>
-              <a:t> </a:t>
-            </a:r>
-            <a:r>
-              <a:rPr/>
-              <a:t>the</a:t>
-            </a:r>
-            <a:r>
-              <a:rPr/>
-              <a:t> </a:t>
-            </a:r>
-            <a:r>
-              <a:rPr/>
-              <a:t>distribution</a:t>
-            </a:r>
-            <a:r>
-              <a:rPr/>
-              <a:t> </a:t>
-            </a:r>
-            <a:r>
-              <a:rPr/>
-              <a:t>of</a:t>
-            </a:r>
-            <a:r>
-              <a:rPr/>
-              <a:t> </a:t>
-            </a:r>
-            <a:r>
-              <a:rPr/>
-              <a:t>female</a:t>
-            </a:r>
-            <a:r>
-              <a:rPr/>
-              <a:t> </a:t>
-            </a:r>
-            <a:r>
-              <a:rPr/>
-              <a:t>and</a:t>
-            </a:r>
-            <a:r>
-              <a:rPr/>
-              <a:t> </a:t>
-            </a:r>
-            <a:r>
-              <a:rPr/>
-              <a:t>male</a:t>
-            </a:r>
-            <a:r>
-              <a:rPr/>
-              <a:t> </a:t>
-            </a:r>
-            <a:r>
-              <a:rPr/>
-              <a:t>authors</a:t>
-            </a:r>
-            <a:r>
-              <a:rPr/>
-              <a:t> </a:t>
-            </a:r>
-            <a:r>
-              <a:rPr/>
-              <a:t>over</a:t>
-            </a:r>
-            <a:r>
-              <a:rPr/>
-              <a:t> </a:t>
-            </a:r>
-            <a:r>
-              <a:rPr/>
-              <a:t>time</a:t>
-            </a:r>
-            <a:r>
-              <a:rPr/>
-              <a:t> </a:t>
-            </a:r>
-            <a:r>
-              <a:rPr/>
-              <a:t>as</a:t>
-            </a:r>
-            <a:r>
-              <a:rPr/>
-              <a:t> </a:t>
-            </a:r>
-            <a:r>
-              <a:rPr/>
-              <a:t>grouped</a:t>
-            </a:r>
-            <a:r>
-              <a:rPr/>
-              <a:t> </a:t>
-            </a:r>
-            <a:r>
-              <a:rPr/>
-              <a:t>bar</a:t>
-            </a:r>
-            <a:r>
-              <a:rPr/>
-              <a:t> </a:t>
-            </a:r>
-            <a:r>
-              <a:rPr/>
-              <a:t>chart</a:t>
-            </a:r>
-          </a:p>
-        </p:txBody>
-      </p:sp>
-      <p:sp>
-        <p:nvSpPr>
-          <p:cNvPr id="3" name="Content Placeholder 2"/>
-          <p:cNvSpPr>
-            <a:spLocks noGrp="1"/>
-          </p:cNvSpPr>
-          <p:nvPr>
-            <p:ph idx="1"/>
-          </p:nvPr>
-        </p:nvSpPr>
-        <p:spPr/>
-        <p:txBody>
-          <a:bodyPr/>
-          <a:lstStyle/>
+              <a:rPr sz="1800" dirty="0">
+                <a:latin typeface="Courier"/>
+              </a:rPr>
+              <a:t>import </a:t>
+            </a:r>
+            <a:r>
+              <a:rPr sz="1800" dirty="0" err="1">
+                <a:latin typeface="Courier"/>
+              </a:rPr>
+              <a:t>matplotlib.pyplot</a:t>
+            </a:r>
+            <a:r>
+              <a:rPr sz="1800" dirty="0">
+                <a:latin typeface="Courier"/>
+              </a:rPr>
+              <a:t> as </a:t>
+            </a:r>
+            <a:r>
+              <a:rPr sz="1800" dirty="0" err="1">
+                <a:latin typeface="Courier"/>
+              </a:rPr>
+              <a:t>plt</a:t>
+            </a:r>
+            <a:endParaRPr sz="1800" dirty="0">
+              <a:latin typeface="Courier"/>
+            </a:endParaRPr>
+          </a:p>
           <a:p>
             <a:pPr lvl="1"/>
             <a:r>
-              <a:rPr/>
-              <a:t>Creating a new list, where 0.25 is added to each year</a:t>
-            </a:r>
-          </a:p>
-          <a:p>
-            <a:pPr lvl="0" marL="1270000" indent="0">
+              <a:rPr dirty="0"/>
+              <a:t>This makes plots appear in the notebook</a:t>
+            </a:r>
+          </a:p>
+          <a:p>
+            <a:pPr marL="1270000" lvl="0" indent="0">
               <a:buNone/>
             </a:pPr>
             <a:r>
-              <a:rPr sz="1800">
-                <a:latin typeface="Courier"/>
-              </a:rPr>
-              <a:t>years_shifted = [year + 0.25 for year in years]</a:t>
+              <a:rPr sz="1800" dirty="0">
+                <a:latin typeface="Courier"/>
+              </a:rPr>
+              <a:t>%</a:t>
+            </a:r>
+            <a:r>
+              <a:rPr sz="1800" dirty="0" err="1">
+                <a:latin typeface="Courier"/>
+              </a:rPr>
+              <a:t>matplotlib</a:t>
+            </a:r>
+            <a:r>
+              <a:rPr sz="1800" dirty="0">
+                <a:latin typeface="Courier"/>
+              </a:rPr>
+              <a:t> inline</a:t>
             </a:r>
           </a:p>
           <a:p>
             <a:pPr lvl="1"/>
             <a:r>
-              <a:rPr/>
-              <a:t>Plotting males_by_yr by year</a:t>
-            </a:r>
-          </a:p>
-          <a:p>
-            <a:pPr lvl="0" marL="1270000" indent="0">
+              <a:rPr dirty="0"/>
+              <a:t>Plotting the bar chart</a:t>
+            </a:r>
+          </a:p>
+          <a:p>
+            <a:pPr marL="1270000" lvl="0" indent="0">
               <a:buNone/>
             </a:pPr>
             <a:r>
-              <a:rPr sz="1800">
-                <a:latin typeface="Courier"/>
-              </a:rPr>
-              <a:t>plt.bar(years, males_by_yr, width=.25, color='lightblue')</a:t>
+              <a:rPr sz="1800" dirty="0">
+                <a:latin typeface="Courier"/>
+              </a:rPr>
+              <a:t>fig = </a:t>
+            </a:r>
+            <a:r>
+              <a:rPr sz="1800" dirty="0" err="1">
+                <a:latin typeface="Courier"/>
+              </a:rPr>
+              <a:t>plt.figure</a:t>
+            </a:r>
+            <a:r>
+              <a:rPr sz="1800" dirty="0">
+                <a:latin typeface="Courier"/>
+              </a:rPr>
+              <a:t>()
+</a:t>
+            </a:r>
+            <a:r>
+              <a:rPr sz="1800" dirty="0" err="1">
+                <a:latin typeface="Courier"/>
+              </a:rPr>
+              <a:t>plt.bar</a:t>
+            </a:r>
+            <a:r>
+              <a:rPr sz="1800" dirty="0">
+                <a:latin typeface="Courier"/>
+              </a:rPr>
+              <a:t>(</a:t>
+            </a:r>
+            <a:r>
+              <a:rPr sz="1800" dirty="0" err="1">
+                <a:latin typeface="Courier"/>
+              </a:rPr>
+              <a:t>years,unknown_by_yr</a:t>
+            </a:r>
+            <a:r>
+              <a:rPr sz="1800" dirty="0">
+                <a:latin typeface="Courier"/>
+              </a:rPr>
+              <a:t>)</a:t>
             </a:r>
           </a:p>
           <a:p>
             <a:pPr lvl="1"/>
             <a:r>
-              <a:rPr/>
-              <a:t>Plotting females_by_yr by years_shifted</a:t>
-            </a:r>
-          </a:p>
-          <a:p>
-            <a:pPr lvl="0" marL="1270000" indent="0">
+              <a:rPr dirty="0"/>
+              <a:t>[OPTIONAL] - Setting a title, and axes label</a:t>
+            </a:r>
+          </a:p>
+          <a:p>
+            <a:pPr marL="1270000" lvl="0" indent="0">
               <a:buNone/>
             </a:pPr>
             <a:r>
-              <a:rPr sz="1800">
-                <a:latin typeface="Courier"/>
-              </a:rPr>
-              <a:t>plt.bar(years_shifted, females_by_yr, width=.25, color='pink')</a:t>
-            </a:r>
-          </a:p>
-          <a:p>
-            <a:pPr lvl="1"/>
-            <a:r>
-              <a:rPr/>
-              <a:t>[OPTIONAL] - Adding relevant Axes labels and Chart Title</a:t>
-            </a:r>
-          </a:p>
-          <a:p>
-            <a:pPr lvl="0" marL="1270000" indent="0">
-              <a:buNone/>
-            </a:pPr>
-            <a:r>
-              <a:rPr sz="1800">
-                <a:latin typeface="Courier"/>
-              </a:rPr>
-              <a:t>plt.xlabel = 'Years'</a:t>
+              <a:rPr sz="1800" dirty="0" err="1">
+                <a:latin typeface="Courier"/>
+              </a:rPr>
+              <a:t>fig.suptitle</a:t>
+            </a:r>
+            <a:r>
+              <a:rPr sz="1800" dirty="0">
+                <a:latin typeface="Courier"/>
+              </a:rPr>
+              <a:t>('Unknown author by year')
+</a:t>
+            </a:r>
+            <a:r>
+              <a:rPr sz="1800" dirty="0" err="1">
+                <a:latin typeface="Courier"/>
+              </a:rPr>
+              <a:t>plt.show</a:t>
+            </a:r>
+            <a:r>
+              <a:rPr sz="1800" dirty="0">
+                <a:latin typeface="Courier"/>
+              </a:rPr>
+              <a:t>()</a:t>
             </a:r>
           </a:p>
         </p:txBody>
       </p:sp>
     </p:spTree>
   </p:cSld>
+  <p:clrMapOvr>
+    <a:masterClrMapping/>
+  </p:clrMapOvr>
 </p:sld>
 </file>
 
@@ -5017,9 +6211,15 @@
       </p:grpSpPr>
       <p:pic>
         <p:nvPicPr>
-          <p:cNvPr descr="https://github.com/mbihan/biof309_spring2018_project1/tree/master/Name_Game__Gender_Prediction_using_Sound/img/groupedBar.png" id="0" name="Picture 1"/>
+          <p:cNvPr id="5" name="Picture 4">
+            <a:extLst>
+              <a:ext uri="{FF2B5EF4-FFF2-40B4-BE49-F238E27FC236}">
+                <a16:creationId xmlns:a16="http://schemas.microsoft.com/office/drawing/2014/main" id="{52158179-BA2C-4DED-A158-7688F64A4084}"/>
+              </a:ext>
+            </a:extLst>
+          </p:cNvPr>
           <p:cNvPicPr>
-            <a:picLocks noGrp="1" noChangeAspect="1"/>
+            <a:picLocks noChangeAspect="1"/>
           </p:cNvPicPr>
           <p:nvPr/>
         </p:nvPicPr>
@@ -5029,62 +6229,21 @@
             <a:fillRect/>
           </a:stretch>
         </p:blipFill>
-        <p:spPr bwMode="auto">
+        <p:spPr>
           <a:xfrm>
-            <a:off x="1562100" y="1600200"/>
-            <a:ext cx="6019800" cy="4013200"/>
+            <a:off x="571501" y="885826"/>
+            <a:ext cx="8072438" cy="5643562"/>
           </a:xfrm>
           <a:prstGeom prst="rect">
             <a:avLst/>
           </a:prstGeom>
-          <a:noFill/>
-          <a:ln w="9525">
-            <a:noFill/>
-            <a:headEnd/>
-            <a:tailEnd/>
-          </a:ln>
         </p:spPr>
       </p:pic>
-      <p:sp>
-        <p:nvSpPr>
-          <p:cNvPr id="1" name="TextBox 3"/>
-          <p:cNvSpPr txBox="1"/>
-          <p:nvPr/>
-        </p:nvSpPr>
-        <p:spPr>
-          <a:xfrm>
-            <a:off x="457200" y="5613400"/>
-            <a:ext cx="8229600" cy="508000"/>
-          </a:xfrm>
-          <a:prstGeom prst="rect">
-            <a:avLst/>
-          </a:prstGeom>
-          <a:noFill/>
-        </p:spPr>
-        <p:txBody>
-          <a:bodyPr/>
-          <a:lstStyle/>
-          <a:p>
-            <a:pPr lvl="0" marL="0" indent="0" algn="ctr">
-              <a:buNone/>
-            </a:pPr>
-            <a:r>
-              <a:rPr/>
-              <a:t>alt</a:t>
-            </a:r>
-            <a:r>
-              <a:rPr/>
-              <a:t> </a:t>
-            </a:r>
-            <a:r>
-              <a:rPr/>
-              <a:t>text</a:t>
-            </a:r>
-          </a:p>
-        </p:txBody>
-      </p:sp>
     </p:spTree>
   </p:cSld>
+  <p:clrMapOvr>
+    <a:masterClrMapping/>
+  </p:clrMapOvr>
 </p:sld>
 </file>
 
